--- a/004 Reinforcement Learning/Introduction to RL-Part 2.pptx
+++ b/004 Reinforcement Learning/Introduction to RL-Part 2.pptx
@@ -5,7 +5,7 @@
     <p:sldMasterId id="2147483648" r:id="rId1"/>
   </p:sldMasterIdLst>
   <p:notesMasterIdLst>
-    <p:notesMasterId r:id="rId17"/>
+    <p:notesMasterId r:id="rId19"/>
   </p:notesMasterIdLst>
   <p:sldIdLst>
     <p:sldId id="256" r:id="rId2"/>
@@ -23,6 +23,8 @@
     <p:sldId id="337" r:id="rId14"/>
     <p:sldId id="338" r:id="rId15"/>
     <p:sldId id="339" r:id="rId16"/>
+    <p:sldId id="341" r:id="rId17"/>
+    <p:sldId id="342" r:id="rId18"/>
   </p:sldIdLst>
   <p:sldSz cx="13004800" cy="9753600"/>
   <p:notesSz cx="13004800" cy="9753600"/>
@@ -894,6 +896,174 @@
     <p:extLst>
       <p:ext uri="{BB962C8B-B14F-4D97-AF65-F5344CB8AC3E}">
         <p14:creationId xmlns:p14="http://schemas.microsoft.com/office/powerpoint/2010/main" val="1075350832"/>
+      </p:ext>
+    </p:extLst>
+  </p:cSld>
+  <p:clrMapOvr>
+    <a:masterClrMapping/>
+  </p:clrMapOvr>
+</p:notes>
+</file>
+
+<file path=ppt/notesSlides/notesSlide15.xml><?xml version="1.0" encoding="utf-8"?>
+<p:notes xmlns:a="http://schemas.openxmlformats.org/drawingml/2006/main" xmlns:r="http://schemas.openxmlformats.org/officeDocument/2006/relationships" xmlns:p="http://schemas.openxmlformats.org/presentationml/2006/main">
+  <p:cSld>
+    <p:spTree>
+      <p:nvGrpSpPr>
+        <p:cNvPr id="1" name=""/>
+        <p:cNvGrpSpPr/>
+        <p:nvPr/>
+      </p:nvGrpSpPr>
+      <p:grpSpPr>
+        <a:xfrm>
+          <a:off x="0" y="0"/>
+          <a:ext cx="0" cy="0"/>
+          <a:chOff x="0" y="0"/>
+          <a:chExt cx="0" cy="0"/>
+        </a:xfrm>
+      </p:grpSpPr>
+      <p:sp>
+        <p:nvSpPr>
+          <p:cNvPr id="2" name="슬라이드 이미지 개체 틀 1"/>
+          <p:cNvSpPr>
+            <a:spLocks noGrp="1" noRot="1" noChangeAspect="1"/>
+          </p:cNvSpPr>
+          <p:nvPr>
+            <p:ph type="sldImg"/>
+          </p:nvPr>
+        </p:nvSpPr>
+        <p:spPr/>
+      </p:sp>
+      <p:sp>
+        <p:nvSpPr>
+          <p:cNvPr id="3" name="슬라이드 노트 개체 틀 2"/>
+          <p:cNvSpPr>
+            <a:spLocks noGrp="1"/>
+          </p:cNvSpPr>
+          <p:nvPr>
+            <p:ph type="body" idx="1"/>
+          </p:nvPr>
+        </p:nvSpPr>
+        <p:spPr/>
+        <p:txBody>
+          <a:bodyPr/>
+          <a:lstStyle/>
+          <a:p>
+            <a:endParaRPr lang="ko-KR" altLang="en-US"/>
+          </a:p>
+        </p:txBody>
+      </p:sp>
+      <p:sp>
+        <p:nvSpPr>
+          <p:cNvPr id="4" name="슬라이드 번호 개체 틀 3"/>
+          <p:cNvSpPr>
+            <a:spLocks noGrp="1"/>
+          </p:cNvSpPr>
+          <p:nvPr>
+            <p:ph type="sldNum" sz="quarter" idx="5"/>
+          </p:nvPr>
+        </p:nvSpPr>
+        <p:spPr/>
+        <p:txBody>
+          <a:bodyPr/>
+          <a:lstStyle/>
+          <a:p>
+            <a:fld id="{15E379A2-52E3-4F4A-8743-F07D02140E24}" type="slidenum">
+              <a:rPr lang="ko-KR" altLang="en-US" smtClean="0"/>
+              <a:t>16</a:t>
+            </a:fld>
+            <a:endParaRPr lang="ko-KR" altLang="en-US"/>
+          </a:p>
+        </p:txBody>
+      </p:sp>
+    </p:spTree>
+    <p:extLst>
+      <p:ext uri="{BB962C8B-B14F-4D97-AF65-F5344CB8AC3E}">
+        <p14:creationId xmlns:p14="http://schemas.microsoft.com/office/powerpoint/2010/main" val="38451803"/>
+      </p:ext>
+    </p:extLst>
+  </p:cSld>
+  <p:clrMapOvr>
+    <a:masterClrMapping/>
+  </p:clrMapOvr>
+</p:notes>
+</file>
+
+<file path=ppt/notesSlides/notesSlide16.xml><?xml version="1.0" encoding="utf-8"?>
+<p:notes xmlns:a="http://schemas.openxmlformats.org/drawingml/2006/main" xmlns:r="http://schemas.openxmlformats.org/officeDocument/2006/relationships" xmlns:p="http://schemas.openxmlformats.org/presentationml/2006/main">
+  <p:cSld>
+    <p:spTree>
+      <p:nvGrpSpPr>
+        <p:cNvPr id="1" name=""/>
+        <p:cNvGrpSpPr/>
+        <p:nvPr/>
+      </p:nvGrpSpPr>
+      <p:grpSpPr>
+        <a:xfrm>
+          <a:off x="0" y="0"/>
+          <a:ext cx="0" cy="0"/>
+          <a:chOff x="0" y="0"/>
+          <a:chExt cx="0" cy="0"/>
+        </a:xfrm>
+      </p:grpSpPr>
+      <p:sp>
+        <p:nvSpPr>
+          <p:cNvPr id="2" name="슬라이드 이미지 개체 틀 1"/>
+          <p:cNvSpPr>
+            <a:spLocks noGrp="1" noRot="1" noChangeAspect="1"/>
+          </p:cNvSpPr>
+          <p:nvPr>
+            <p:ph type="sldImg"/>
+          </p:nvPr>
+        </p:nvSpPr>
+        <p:spPr/>
+      </p:sp>
+      <p:sp>
+        <p:nvSpPr>
+          <p:cNvPr id="3" name="슬라이드 노트 개체 틀 2"/>
+          <p:cNvSpPr>
+            <a:spLocks noGrp="1"/>
+          </p:cNvSpPr>
+          <p:nvPr>
+            <p:ph type="body" idx="1"/>
+          </p:nvPr>
+        </p:nvSpPr>
+        <p:spPr/>
+        <p:txBody>
+          <a:bodyPr/>
+          <a:lstStyle/>
+          <a:p>
+            <a:endParaRPr lang="ko-KR" altLang="en-US"/>
+          </a:p>
+        </p:txBody>
+      </p:sp>
+      <p:sp>
+        <p:nvSpPr>
+          <p:cNvPr id="4" name="슬라이드 번호 개체 틀 3"/>
+          <p:cNvSpPr>
+            <a:spLocks noGrp="1"/>
+          </p:cNvSpPr>
+          <p:nvPr>
+            <p:ph type="sldNum" sz="quarter" idx="5"/>
+          </p:nvPr>
+        </p:nvSpPr>
+        <p:spPr/>
+        <p:txBody>
+          <a:bodyPr/>
+          <a:lstStyle/>
+          <a:p>
+            <a:fld id="{15E379A2-52E3-4F4A-8743-F07D02140E24}" type="slidenum">
+              <a:rPr lang="ko-KR" altLang="en-US" smtClean="0"/>
+              <a:t>17</a:t>
+            </a:fld>
+            <a:endParaRPr lang="ko-KR" altLang="en-US"/>
+          </a:p>
+        </p:txBody>
+      </p:sp>
+    </p:spTree>
+    <p:extLst>
+      <p:ext uri="{BB962C8B-B14F-4D97-AF65-F5344CB8AC3E}">
+        <p14:creationId xmlns:p14="http://schemas.microsoft.com/office/powerpoint/2010/main" val="2286227268"/>
       </p:ext>
     </p:extLst>
   </p:cSld>
@@ -4827,6 +4997,360 @@
     <p:extLst>
       <p:ext uri="{BB962C8B-B14F-4D97-AF65-F5344CB8AC3E}">
         <p14:creationId xmlns:p14="http://schemas.microsoft.com/office/powerpoint/2010/main" val="1059318181"/>
+      </p:ext>
+    </p:extLst>
+  </p:cSld>
+  <p:clrMapOvr>
+    <a:masterClrMapping/>
+  </p:clrMapOvr>
+</p:sld>
+</file>
+
+<file path=ppt/slides/slide16.xml><?xml version="1.0" encoding="utf-8"?>
+<p:sld xmlns:a="http://schemas.openxmlformats.org/drawingml/2006/main" xmlns:r="http://schemas.openxmlformats.org/officeDocument/2006/relationships" xmlns:p="http://schemas.openxmlformats.org/presentationml/2006/main">
+  <p:cSld>
+    <p:spTree>
+      <p:nvGrpSpPr>
+        <p:cNvPr id="1" name=""/>
+        <p:cNvGrpSpPr/>
+        <p:nvPr/>
+      </p:nvGrpSpPr>
+      <p:grpSpPr>
+        <a:xfrm>
+          <a:off x="0" y="0"/>
+          <a:ext cx="0" cy="0"/>
+          <a:chOff x="0" y="0"/>
+          <a:chExt cx="0" cy="0"/>
+        </a:xfrm>
+      </p:grpSpPr>
+      <p:sp>
+        <p:nvSpPr>
+          <p:cNvPr id="2" name="object 2"/>
+          <p:cNvSpPr txBox="1"/>
+          <p:nvPr/>
+        </p:nvSpPr>
+        <p:spPr>
+          <a:xfrm>
+            <a:off x="143560" y="381000"/>
+            <a:ext cx="12454840" cy="382156"/>
+          </a:xfrm>
+          <a:prstGeom prst="rect">
+            <a:avLst/>
+          </a:prstGeom>
+        </p:spPr>
+        <p:txBody>
+          <a:bodyPr vert="horz" wrap="square" lIns="0" tIns="12700" rIns="0" bIns="0" rtlCol="0">
+            <a:spAutoFit/>
+          </a:bodyPr>
+          <a:lstStyle/>
+          <a:p>
+            <a:pPr marL="12700">
+              <a:lnSpc>
+                <a:spcPct val="100000"/>
+              </a:lnSpc>
+              <a:spcBef>
+                <a:spcPts val="100"/>
+              </a:spcBef>
+            </a:pPr>
+            <a:r>
+              <a:rPr lang="en-US" sz="2400" b="1" spc="95">
+                <a:latin typeface="Calibri"/>
+                <a:cs typeface="Calibri"/>
+              </a:rPr>
+              <a:t>Soft Actor Critic (SAC)</a:t>
+            </a:r>
+            <a:endParaRPr sz="2400">
+              <a:latin typeface="Calibri"/>
+              <a:cs typeface="Calibri"/>
+            </a:endParaRPr>
+          </a:p>
+        </p:txBody>
+      </p:sp>
+      <p:sp>
+        <p:nvSpPr>
+          <p:cNvPr id="4" name="object 4"/>
+          <p:cNvSpPr txBox="1"/>
+          <p:nvPr/>
+        </p:nvSpPr>
+        <p:spPr>
+          <a:xfrm>
+            <a:off x="254502" y="963907"/>
+            <a:ext cx="12098607" cy="983603"/>
+          </a:xfrm>
+          <a:prstGeom prst="rect">
+            <a:avLst/>
+          </a:prstGeom>
+        </p:spPr>
+        <p:txBody>
+          <a:bodyPr vert="horz" wrap="square" lIns="0" tIns="128270" rIns="0" bIns="0" rtlCol="0">
+            <a:spAutoFit/>
+          </a:bodyPr>
+          <a:lstStyle/>
+          <a:p>
+            <a:pPr marL="12065" marR="0" lvl="0" indent="0" defTabSz="914400" eaLnBrk="1" fontAlgn="auto" latinLnBrk="0" hangingPunct="1">
+              <a:lnSpc>
+                <a:spcPct val="100000"/>
+              </a:lnSpc>
+              <a:spcBef>
+                <a:spcPts val="910"/>
+              </a:spcBef>
+              <a:spcAft>
+                <a:spcPts val="0"/>
+              </a:spcAft>
+              <a:buClrTx/>
+              <a:buSzTx/>
+              <a:buFontTx/>
+              <a:buNone/>
+              <a:tabLst>
+                <a:tab pos="335280" algn="l"/>
+                <a:tab pos="335915" algn="l"/>
+              </a:tabLst>
+              <a:defRPr/>
+            </a:pPr>
+            <a:r>
+              <a:rPr kumimoji="0" lang="en-US" altLang="ko-KR" sz="2400" b="1" i="0" u="none" strike="noStrike" kern="0" cap="none" spc="0" normalizeH="0" baseline="0" noProof="0">
+                <a:ln>
+                  <a:noFill/>
+                </a:ln>
+                <a:solidFill>
+                  <a:sysClr val="windowText" lastClr="000000"/>
+                </a:solidFill>
+                <a:effectLst/>
+                <a:uLnTx/>
+                <a:uFillTx/>
+                <a:latin typeface="Arial"/>
+                <a:cs typeface="Arial"/>
+              </a:rPr>
+              <a:t>Soft Actor Critic (SAC)</a:t>
+            </a:r>
+          </a:p>
+          <a:p>
+            <a:pPr marL="12065" marR="0" lvl="0" indent="0" defTabSz="914400" eaLnBrk="1" fontAlgn="auto" latinLnBrk="0" hangingPunct="1">
+              <a:lnSpc>
+                <a:spcPct val="100000"/>
+              </a:lnSpc>
+              <a:spcBef>
+                <a:spcPts val="910"/>
+              </a:spcBef>
+              <a:spcAft>
+                <a:spcPts val="0"/>
+              </a:spcAft>
+              <a:buClrTx/>
+              <a:buSzTx/>
+              <a:buFontTx/>
+              <a:buNone/>
+              <a:tabLst>
+                <a:tab pos="335280" algn="l"/>
+                <a:tab pos="335915" algn="l"/>
+              </a:tabLst>
+              <a:defRPr/>
+            </a:pPr>
+            <a:endParaRPr lang="en-US" altLang="ko-KR" sz="2400">
+              <a:latin typeface="Arial"/>
+              <a:cs typeface="Arial"/>
+            </a:endParaRPr>
+          </a:p>
+        </p:txBody>
+      </p:sp>
+      <p:sp>
+        <p:nvSpPr>
+          <p:cNvPr id="8" name="슬라이드 번호 개체 틀 7">
+            <a:extLst>
+              <a:ext uri="{FF2B5EF4-FFF2-40B4-BE49-F238E27FC236}">
+                <a16:creationId xmlns:a16="http://schemas.microsoft.com/office/drawing/2014/main" id="{ED6717D9-A3EE-6F93-BC15-282AAA9A66A6}"/>
+              </a:ext>
+            </a:extLst>
+          </p:cNvPr>
+          <p:cNvSpPr>
+            <a:spLocks noGrp="1"/>
+          </p:cNvSpPr>
+          <p:nvPr>
+            <p:ph type="sldNum" sz="quarter" idx="7"/>
+          </p:nvPr>
+        </p:nvSpPr>
+        <p:spPr/>
+        <p:txBody>
+          <a:bodyPr/>
+          <a:lstStyle/>
+          <a:p>
+            <a:fld id="{B6F15528-21DE-4FAA-801E-634DDDAF4B2B}" type="slidenum">
+              <a:rPr lang="en-US" altLang="ko-KR" smtClean="0"/>
+              <a:t>16</a:t>
+            </a:fld>
+            <a:endParaRPr lang="ko-KR" altLang="en-US"/>
+          </a:p>
+        </p:txBody>
+      </p:sp>
+    </p:spTree>
+    <p:extLst>
+      <p:ext uri="{BB962C8B-B14F-4D97-AF65-F5344CB8AC3E}">
+        <p14:creationId xmlns:p14="http://schemas.microsoft.com/office/powerpoint/2010/main" val="983782797"/>
+      </p:ext>
+    </p:extLst>
+  </p:cSld>
+  <p:clrMapOvr>
+    <a:masterClrMapping/>
+  </p:clrMapOvr>
+</p:sld>
+</file>
+
+<file path=ppt/slides/slide17.xml><?xml version="1.0" encoding="utf-8"?>
+<p:sld xmlns:a="http://schemas.openxmlformats.org/drawingml/2006/main" xmlns:r="http://schemas.openxmlformats.org/officeDocument/2006/relationships" xmlns:p="http://schemas.openxmlformats.org/presentationml/2006/main">
+  <p:cSld>
+    <p:spTree>
+      <p:nvGrpSpPr>
+        <p:cNvPr id="1" name=""/>
+        <p:cNvGrpSpPr/>
+        <p:nvPr/>
+      </p:nvGrpSpPr>
+      <p:grpSpPr>
+        <a:xfrm>
+          <a:off x="0" y="0"/>
+          <a:ext cx="0" cy="0"/>
+          <a:chOff x="0" y="0"/>
+          <a:chExt cx="0" cy="0"/>
+        </a:xfrm>
+      </p:grpSpPr>
+      <p:sp>
+        <p:nvSpPr>
+          <p:cNvPr id="2" name="object 2"/>
+          <p:cNvSpPr txBox="1"/>
+          <p:nvPr/>
+        </p:nvSpPr>
+        <p:spPr>
+          <a:xfrm>
+            <a:off x="143560" y="381000"/>
+            <a:ext cx="12454840" cy="382156"/>
+          </a:xfrm>
+          <a:prstGeom prst="rect">
+            <a:avLst/>
+          </a:prstGeom>
+        </p:spPr>
+        <p:txBody>
+          <a:bodyPr vert="horz" wrap="square" lIns="0" tIns="12700" rIns="0" bIns="0" rtlCol="0">
+            <a:spAutoFit/>
+          </a:bodyPr>
+          <a:lstStyle/>
+          <a:p>
+            <a:pPr marL="12700">
+              <a:lnSpc>
+                <a:spcPct val="100000"/>
+              </a:lnSpc>
+              <a:spcBef>
+                <a:spcPts val="100"/>
+              </a:spcBef>
+            </a:pPr>
+            <a:r>
+              <a:rPr lang="en-US" sz="2400" b="1" spc="95">
+                <a:latin typeface="Calibri"/>
+                <a:cs typeface="Calibri"/>
+              </a:rPr>
+              <a:t>Deep Deterministic Policy Gradient (DDPG)</a:t>
+            </a:r>
+            <a:endParaRPr sz="2400">
+              <a:latin typeface="Calibri"/>
+              <a:cs typeface="Calibri"/>
+            </a:endParaRPr>
+          </a:p>
+        </p:txBody>
+      </p:sp>
+      <p:sp>
+        <p:nvSpPr>
+          <p:cNvPr id="4" name="object 4"/>
+          <p:cNvSpPr txBox="1"/>
+          <p:nvPr/>
+        </p:nvSpPr>
+        <p:spPr>
+          <a:xfrm>
+            <a:off x="254502" y="963907"/>
+            <a:ext cx="12098607" cy="498855"/>
+          </a:xfrm>
+          <a:prstGeom prst="rect">
+            <a:avLst/>
+          </a:prstGeom>
+        </p:spPr>
+        <p:txBody>
+          <a:bodyPr vert="horz" wrap="square" lIns="0" tIns="128270" rIns="0" bIns="0" rtlCol="0">
+            <a:spAutoFit/>
+          </a:bodyPr>
+          <a:lstStyle/>
+          <a:p>
+            <a:pPr marL="12065" marR="0" lvl="0" indent="0" defTabSz="914400" eaLnBrk="1" fontAlgn="auto" latinLnBrk="0" hangingPunct="1">
+              <a:lnSpc>
+                <a:spcPct val="100000"/>
+              </a:lnSpc>
+              <a:spcBef>
+                <a:spcPts val="910"/>
+              </a:spcBef>
+              <a:spcAft>
+                <a:spcPts val="0"/>
+              </a:spcAft>
+              <a:buClrTx/>
+              <a:buSzTx/>
+              <a:buFontTx/>
+              <a:buNone/>
+              <a:tabLst>
+                <a:tab pos="335280" algn="l"/>
+                <a:tab pos="335915" algn="l"/>
+              </a:tabLst>
+              <a:defRPr/>
+            </a:pPr>
+            <a:r>
+              <a:rPr kumimoji="0" lang="en-US" altLang="ko-KR" sz="2400" b="1" i="0" u="none" strike="noStrike" kern="0" cap="none" spc="0" normalizeH="0" baseline="0" noProof="0">
+                <a:ln>
+                  <a:noFill/>
+                </a:ln>
+                <a:solidFill>
+                  <a:sysClr val="windowText" lastClr="000000"/>
+                </a:solidFill>
+                <a:effectLst/>
+                <a:uLnTx/>
+                <a:uFillTx/>
+                <a:latin typeface="Arial"/>
+                <a:cs typeface="Arial"/>
+              </a:rPr>
+              <a:t>Deep Deterministic Policy Gradient (DDPG)</a:t>
+            </a:r>
+            <a:endParaRPr lang="en-US" altLang="ko-KR" sz="2400">
+              <a:latin typeface="Arial"/>
+              <a:cs typeface="Arial"/>
+            </a:endParaRPr>
+          </a:p>
+        </p:txBody>
+      </p:sp>
+      <p:sp>
+        <p:nvSpPr>
+          <p:cNvPr id="8" name="슬라이드 번호 개체 틀 7">
+            <a:extLst>
+              <a:ext uri="{FF2B5EF4-FFF2-40B4-BE49-F238E27FC236}">
+                <a16:creationId xmlns:a16="http://schemas.microsoft.com/office/drawing/2014/main" id="{ED6717D9-A3EE-6F93-BC15-282AAA9A66A6}"/>
+              </a:ext>
+            </a:extLst>
+          </p:cNvPr>
+          <p:cNvSpPr>
+            <a:spLocks noGrp="1"/>
+          </p:cNvSpPr>
+          <p:nvPr>
+            <p:ph type="sldNum" sz="quarter" idx="7"/>
+          </p:nvPr>
+        </p:nvSpPr>
+        <p:spPr/>
+        <p:txBody>
+          <a:bodyPr/>
+          <a:lstStyle/>
+          <a:p>
+            <a:fld id="{B6F15528-21DE-4FAA-801E-634DDDAF4B2B}" type="slidenum">
+              <a:rPr lang="en-US" altLang="ko-KR" smtClean="0"/>
+              <a:t>17</a:t>
+            </a:fld>
+            <a:endParaRPr lang="ko-KR" altLang="en-US"/>
+          </a:p>
+        </p:txBody>
+      </p:sp>
+    </p:spTree>
+    <p:extLst>
+      <p:ext uri="{BB962C8B-B14F-4D97-AF65-F5344CB8AC3E}">
+        <p14:creationId xmlns:p14="http://schemas.microsoft.com/office/powerpoint/2010/main" val="2114652118"/>
       </p:ext>
     </p:extLst>
   </p:cSld>
@@ -5814,7 +6338,7 @@
         <p:spPr>
           <a:xfrm>
             <a:off x="254502" y="963907"/>
-            <a:ext cx="12098607" cy="7123745"/>
+            <a:ext cx="12098607" cy="6569747"/>
           </a:xfrm>
           <a:prstGeom prst="rect">
             <a:avLst/>
@@ -5877,11 +6401,25 @@
               <a:defRPr/>
             </a:pPr>
             <a:r>
-              <a:rPr lang="en-US" altLang="ko-KR" sz="2400">
+              <a:rPr lang="en-US" altLang="ko-KR" sz="2100">
                 <a:latin typeface="Arial"/>
                 <a:cs typeface="Arial"/>
               </a:rPr>
-              <a:t>Generally, MC is a method that relies on repeated random sampling to obtain numerical results</a:t>
+              <a:t>Generally, MC is a method that relies on </a:t>
+            </a:r>
+            <a:r>
+              <a:rPr lang="en-US" altLang="ko-KR" sz="2100" b="1">
+                <a:latin typeface="Arial"/>
+                <a:cs typeface="Arial"/>
+              </a:rPr>
+              <a:t>repeated random sampling </a:t>
+            </a:r>
+            <a:r>
+              <a:rPr lang="en-US" altLang="ko-KR" sz="2100">
+                <a:latin typeface="Arial"/>
+                <a:cs typeface="Arial"/>
+              </a:rPr>
+              <a:t>to obtain numerical results</a:t>
             </a:r>
           </a:p>
           <a:p>
@@ -5898,11 +6436,18 @@
               <a:defRPr/>
             </a:pPr>
             <a:r>
-              <a:rPr lang="en-US" altLang="ko-KR" sz="2400">
+              <a:rPr lang="en-US" altLang="ko-KR" sz="2100">
                 <a:latin typeface="Arial"/>
                 <a:cs typeface="Arial"/>
               </a:rPr>
-              <a:t>MC methods learn directly from episodes of experience</a:t>
+              <a:t>MC methods learn directly from episodes of </a:t>
+            </a:r>
+            <a:r>
+              <a:rPr lang="en-US" altLang="ko-KR" sz="2100" b="1">
+                <a:latin typeface="Arial"/>
+                <a:cs typeface="Arial"/>
+              </a:rPr>
+              <a:t>experience</a:t>
             </a:r>
           </a:p>
           <a:p>
@@ -5919,21 +6464,21 @@
               <a:defRPr/>
             </a:pPr>
             <a:r>
-              <a:rPr lang="en-US" altLang="ko-KR" sz="2400">
+              <a:rPr lang="en-US" altLang="ko-KR" sz="2100">
                 <a:latin typeface="Arial"/>
                 <a:cs typeface="Arial"/>
               </a:rPr>
               <a:t>In MC, we learns from </a:t>
             </a:r>
             <a:r>
-              <a:rPr lang="en-US" altLang="ko-KR" sz="2400" i="1">
+              <a:rPr lang="en-US" altLang="ko-KR" sz="2100" i="1">
                 <a:latin typeface="Arial"/>
                 <a:cs typeface="Arial"/>
               </a:rPr>
               <a:t>complete</a:t>
             </a:r>
             <a:r>
-              <a:rPr lang="en-US" altLang="ko-KR" sz="2400">
+              <a:rPr lang="en-US" altLang="ko-KR" sz="2100">
                 <a:latin typeface="Arial"/>
                 <a:cs typeface="Arial"/>
               </a:rPr>
@@ -5954,21 +6499,21 @@
               <a:defRPr/>
             </a:pPr>
             <a:r>
-              <a:rPr lang="en-US" altLang="ko-KR" sz="2400">
+              <a:rPr lang="en-US" altLang="ko-KR" sz="2100">
                 <a:latin typeface="Arial"/>
                 <a:cs typeface="Arial"/>
               </a:rPr>
               <a:t>MC is </a:t>
             </a:r>
             <a:r>
-              <a:rPr lang="en-US" altLang="ko-KR" sz="2400" i="1">
+              <a:rPr lang="en-US" altLang="ko-KR" sz="2100" i="1">
                 <a:latin typeface="Arial"/>
                 <a:cs typeface="Arial"/>
               </a:rPr>
               <a:t>model-free</a:t>
             </a:r>
             <a:r>
-              <a:rPr lang="en-US" altLang="ko-KR" sz="2400">
+              <a:rPr lang="en-US" altLang="ko-KR" sz="2100">
                 <a:latin typeface="Arial"/>
                 <a:cs typeface="Arial"/>
               </a:rPr>
@@ -6482,10 +7027,13 @@
                   </a:tabLst>
                   <a:defRPr/>
                 </a:pPr>
-                <a:endParaRPr lang="en-US" altLang="ko-KR" sz="2400">
-                  <a:latin typeface="Arial"/>
-                  <a:cs typeface="Arial"/>
-                </a:endParaRPr>
+                <a:r>
+                  <a:rPr lang="en-US" altLang="ko-KR" sz="2100">
+                    <a:latin typeface="Arial"/>
+                    <a:cs typeface="Arial"/>
+                  </a:rPr>
+                  <a:t>dfs</a:t>
+                </a:r>
               </a:p>
               <a:p>
                 <a:pPr marL="335280" indent="-323215">
@@ -6855,7 +7403,7 @@
                     <m:sSub>
                       <m:sSubPr>
                         <m:ctrlPr>
-                          <a:rPr lang="en-US" altLang="ko-KR" sz="2100" b="0" i="1" smtClean="0">
+                          <a:rPr lang="en-US" altLang="ko-KR" sz="2100" b="1" i="1" smtClean="0">
                             <a:latin typeface="Cambria Math" panose="02040503050406030204" pitchFamily="18" charset="0"/>
                             <a:cs typeface="Arial"/>
                           </a:rPr>
@@ -6863,27 +7411,27 @@
                       </m:sSubPr>
                       <m:e>
                         <m:r>
-                          <a:rPr lang="en-US" altLang="ko-KR" sz="2100" b="0" i="1" smtClean="0">
+                          <a:rPr lang="en-US" altLang="ko-KR" sz="2100" b="1" i="1" smtClean="0">
                             <a:latin typeface="Cambria Math" panose="02040503050406030204" pitchFamily="18" charset="0"/>
                             <a:cs typeface="Arial"/>
                           </a:rPr>
-                          <m:t>𝑉</m:t>
+                          <m:t>𝑽</m:t>
                         </m:r>
                       </m:e>
                       <m:sub>
                         <m:r>
-                          <a:rPr lang="en-US" altLang="ko-KR" sz="2100" b="0" i="1" smtClean="0">
+                          <a:rPr lang="en-US" altLang="ko-KR" sz="2100" b="1" i="1" smtClean="0">
                             <a:latin typeface="Cambria Math" panose="02040503050406030204" pitchFamily="18" charset="0"/>
                             <a:cs typeface="Arial"/>
                           </a:rPr>
-                          <m:t>𝜋</m:t>
+                          <m:t>𝝅</m:t>
                         </m:r>
                       </m:sub>
                     </m:sSub>
                     <m:d>
                       <m:dPr>
                         <m:ctrlPr>
-                          <a:rPr lang="en-US" altLang="ko-KR" sz="2100" b="0" i="1" smtClean="0">
+                          <a:rPr lang="en-US" altLang="ko-KR" sz="2100" b="1" i="1" smtClean="0">
                             <a:latin typeface="Cambria Math" panose="02040503050406030204" pitchFamily="18" charset="0"/>
                             <a:cs typeface="Arial"/>
                           </a:rPr>
@@ -6891,16 +7439,16 @@
                       </m:dPr>
                       <m:e>
                         <m:r>
-                          <a:rPr lang="en-US" altLang="ko-KR" sz="2100" b="0" i="1" smtClean="0">
+                          <a:rPr lang="en-US" altLang="ko-KR" sz="2100" b="1" i="1" smtClean="0">
                             <a:latin typeface="Cambria Math" panose="02040503050406030204" pitchFamily="18" charset="0"/>
                             <a:cs typeface="Arial"/>
                           </a:rPr>
-                          <m:t>𝑠</m:t>
+                          <m:t>𝒔</m:t>
                         </m:r>
                       </m:e>
                     </m:d>
                     <m:r>
-                      <a:rPr lang="en-US" altLang="ko-KR" sz="2100" b="0" i="1" smtClean="0">
+                      <a:rPr lang="en-US" altLang="ko-KR" sz="2100" b="1" i="1" smtClean="0">
                         <a:latin typeface="Cambria Math" panose="02040503050406030204" pitchFamily="18" charset="0"/>
                         <a:cs typeface="Arial"/>
                       </a:rPr>
@@ -6909,7 +7457,7 @@
                     <m:sSub>
                       <m:sSubPr>
                         <m:ctrlPr>
-                          <a:rPr lang="en-US" altLang="ko-KR" sz="2100" b="0" i="1" smtClean="0">
+                          <a:rPr lang="en-US" altLang="ko-KR" sz="2100" b="1" i="1" smtClean="0">
                             <a:latin typeface="Cambria Math" panose="02040503050406030204" pitchFamily="18" charset="0"/>
                             <a:cs typeface="Arial"/>
                           </a:rPr>
@@ -6917,7 +7465,7 @@
                       </m:sSubPr>
                       <m:e>
                         <m:r>
-                          <a:rPr lang="ko-KR" altLang="en-US" sz="2100" b="0" i="1" smtClean="0">
+                          <a:rPr lang="ko-KR" altLang="en-US" sz="2100" b="1" i="1" smtClean="0">
                             <a:latin typeface="Cambria Math" panose="02040503050406030204" pitchFamily="18" charset="0"/>
                             <a:cs typeface="Arial"/>
                           </a:rPr>
@@ -6926,11 +7474,11 @@
                       </m:e>
                       <m:sub>
                         <m:r>
-                          <a:rPr lang="en-US" altLang="ko-KR" sz="2100" b="0" i="1" smtClean="0">
+                          <a:rPr lang="en-US" altLang="ko-KR" sz="2100" b="1" i="1" smtClean="0">
                             <a:latin typeface="Cambria Math" panose="02040503050406030204" pitchFamily="18" charset="0"/>
                             <a:cs typeface="Arial"/>
                           </a:rPr>
-                          <m:t>𝜋</m:t>
+                          <m:t>𝝅</m:t>
                         </m:r>
                       </m:sub>
                     </m:sSub>
@@ -6939,7 +7487,7 @@
                         <m:begChr m:val="["/>
                         <m:endChr m:val="]"/>
                         <m:ctrlPr>
-                          <a:rPr lang="en-US" altLang="ko-KR" sz="2100" b="0" i="1" smtClean="0">
+                          <a:rPr lang="en-US" altLang="ko-KR" sz="2100" b="1" i="1" smtClean="0">
                             <a:latin typeface="Cambria Math" panose="02040503050406030204" pitchFamily="18" charset="0"/>
                             <a:cs typeface="Arial"/>
                           </a:rPr>
@@ -6949,7 +7497,7 @@
                         <m:sSub>
                           <m:sSubPr>
                             <m:ctrlPr>
-                              <a:rPr lang="en-US" altLang="ko-KR" sz="2100" b="0" i="1" smtClean="0">
+                              <a:rPr lang="en-US" altLang="ko-KR" sz="2100" b="1" i="1" smtClean="0">
                                 <a:latin typeface="Cambria Math" panose="02040503050406030204" pitchFamily="18" charset="0"/>
                                 <a:cs typeface="Arial"/>
                               </a:rPr>
@@ -6957,20 +7505,20 @@
                           </m:sSubPr>
                           <m:e>
                             <m:r>
-                              <a:rPr lang="en-US" altLang="ko-KR" sz="2100" b="0" i="1" smtClean="0">
+                              <a:rPr lang="en-US" altLang="ko-KR" sz="2100" b="1" i="1" smtClean="0">
                                 <a:latin typeface="Cambria Math" panose="02040503050406030204" pitchFamily="18" charset="0"/>
                                 <a:cs typeface="Arial"/>
                               </a:rPr>
-                              <m:t>𝐺</m:t>
+                              <m:t>𝑮</m:t>
                             </m:r>
                           </m:e>
                           <m:sub>
                             <m:r>
-                              <a:rPr lang="en-US" altLang="ko-KR" sz="2100" b="0" i="1" smtClean="0">
+                              <a:rPr lang="en-US" altLang="ko-KR" sz="2100" b="1" i="1" smtClean="0">
                                 <a:latin typeface="Cambria Math" panose="02040503050406030204" pitchFamily="18" charset="0"/>
                                 <a:cs typeface="Arial"/>
                               </a:rPr>
-                              <m:t>𝑡</m:t>
+                              <m:t>𝒕</m:t>
                             </m:r>
                           </m:sub>
                         </m:sSub>
@@ -6979,7 +7527,7 @@
                         <m:sSub>
                           <m:sSubPr>
                             <m:ctrlPr>
-                              <a:rPr lang="en-US" altLang="ko-KR" sz="2100" b="0" i="1" smtClean="0">
+                              <a:rPr lang="en-US" altLang="ko-KR" sz="2100" b="1" i="1" smtClean="0">
                                 <a:latin typeface="Cambria Math" panose="02040503050406030204" pitchFamily="18" charset="0"/>
                                 <a:cs typeface="Arial"/>
                               </a:rPr>
@@ -6987,42 +7535,57 @@
                           </m:sSubPr>
                           <m:e>
                             <m:r>
-                              <a:rPr lang="en-US" altLang="ko-KR" sz="2100" b="0" i="1" smtClean="0">
+                              <a:rPr lang="en-US" altLang="ko-KR" sz="2100" b="1" i="1" smtClean="0">
                                 <a:latin typeface="Cambria Math" panose="02040503050406030204" pitchFamily="18" charset="0"/>
                                 <a:cs typeface="Arial"/>
                               </a:rPr>
-                              <m:t>𝑆</m:t>
+                              <m:t>𝑺</m:t>
                             </m:r>
                           </m:e>
                           <m:sub>
                             <m:r>
-                              <a:rPr lang="en-US" altLang="ko-KR" sz="2100" b="0" i="1" smtClean="0">
+                              <a:rPr lang="en-US" altLang="ko-KR" sz="2100" b="1" i="1" smtClean="0">
                                 <a:latin typeface="Cambria Math" panose="02040503050406030204" pitchFamily="18" charset="0"/>
                                 <a:cs typeface="Arial"/>
                               </a:rPr>
-                              <m:t>𝑡</m:t>
+                              <m:t>𝒕</m:t>
                             </m:r>
                           </m:sub>
                         </m:sSub>
                         <m:r>
-                          <a:rPr lang="en-US" altLang="ko-KR" sz="2100" b="0" i="1" smtClean="0">
+                          <a:rPr lang="en-US" altLang="ko-KR" sz="2100" b="1" i="1" smtClean="0">
                             <a:latin typeface="Cambria Math" panose="02040503050406030204" pitchFamily="18" charset="0"/>
                             <a:cs typeface="Arial"/>
                           </a:rPr>
                           <m:t>=</m:t>
                         </m:r>
                         <m:r>
-                          <a:rPr lang="en-US" altLang="ko-KR" sz="2100" b="0" i="1" smtClean="0">
+                          <a:rPr lang="en-US" altLang="ko-KR" sz="2100" b="1" i="1" smtClean="0">
                             <a:latin typeface="Cambria Math" panose="02040503050406030204" pitchFamily="18" charset="0"/>
                             <a:cs typeface="Arial"/>
                           </a:rPr>
-                          <m:t>𝑠</m:t>
+                          <m:t>𝒔</m:t>
                         </m:r>
                       </m:e>
                     </m:d>
                   </m:oMath>
                 </a14:m>
-                <a:endParaRPr lang="en-US" altLang="ko-KR" sz="2100">
+                <a:r>
+                  <a:rPr lang="en-US" altLang="ko-KR" sz="2100" b="1">
+                    <a:latin typeface="Arial"/>
+                    <a:cs typeface="Arial"/>
+                  </a:rPr>
+                  <a:t>     </a:t>
+                </a:r>
+                <a:r>
+                  <a:rPr lang="en-US" altLang="ko-KR" sz="2100" b="1">
+                    <a:latin typeface="Arial"/>
+                    <a:cs typeface="Arial"/>
+                    <a:sym typeface="Wingdings" panose="05000000000000000000" pitchFamily="2" charset="2"/>
+                  </a:rPr>
+                  <a:t>Average values of returns from episodes</a:t>
+                </a:r>
+                <a:endParaRPr lang="en-US" altLang="ko-KR" sz="2100" b="1">
                   <a:latin typeface="Arial"/>
                   <a:cs typeface="Arial"/>
                 </a:endParaRPr>
@@ -7052,7 +7615,7 @@
                     <m:sSub>
                       <m:sSubPr>
                         <m:ctrlPr>
-                          <a:rPr lang="en-US" altLang="ko-KR" sz="2100" b="0" i="1" smtClean="0">
+                          <a:rPr lang="en-US" altLang="ko-KR" sz="2100" b="1" i="1" smtClean="0">
                             <a:latin typeface="Cambria Math" panose="02040503050406030204" pitchFamily="18" charset="0"/>
                             <a:cs typeface="Arial"/>
                           </a:rPr>
@@ -7060,27 +7623,27 @@
                       </m:sSubPr>
                       <m:e>
                         <m:r>
-                          <a:rPr lang="en-US" altLang="ko-KR" sz="2100" b="0" i="1" smtClean="0">
+                          <a:rPr lang="en-US" altLang="ko-KR" sz="2100" b="1" i="1" smtClean="0">
                             <a:latin typeface="Cambria Math" panose="02040503050406030204" pitchFamily="18" charset="0"/>
                             <a:cs typeface="Arial"/>
                           </a:rPr>
-                          <m:t>𝑞</m:t>
+                          <m:t>𝒒</m:t>
                         </m:r>
                       </m:e>
                       <m:sub>
                         <m:r>
-                          <a:rPr lang="en-US" altLang="ko-KR" sz="2100" b="0" i="1" smtClean="0">
+                          <a:rPr lang="en-US" altLang="ko-KR" sz="2100" b="1" i="1" smtClean="0">
                             <a:latin typeface="Cambria Math" panose="02040503050406030204" pitchFamily="18" charset="0"/>
                             <a:cs typeface="Arial"/>
                           </a:rPr>
-                          <m:t>𝜋</m:t>
+                          <m:t>𝝅</m:t>
                         </m:r>
                       </m:sub>
                     </m:sSub>
                     <m:d>
                       <m:dPr>
                         <m:ctrlPr>
-                          <a:rPr lang="en-US" altLang="ko-KR" sz="2100" b="0" i="1" smtClean="0">
+                          <a:rPr lang="en-US" altLang="ko-KR" sz="2100" b="1" i="1" smtClean="0">
                             <a:latin typeface="Cambria Math" panose="02040503050406030204" pitchFamily="18" charset="0"/>
                             <a:cs typeface="Arial"/>
                           </a:rPr>
@@ -7088,30 +7651,30 @@
                       </m:dPr>
                       <m:e>
                         <m:r>
-                          <a:rPr lang="en-US" altLang="ko-KR" sz="2100" b="0" i="1" smtClean="0">
+                          <a:rPr lang="en-US" altLang="ko-KR" sz="2100" b="1" i="1" smtClean="0">
                             <a:latin typeface="Cambria Math" panose="02040503050406030204" pitchFamily="18" charset="0"/>
                             <a:cs typeface="Arial"/>
                           </a:rPr>
-                          <m:t>𝑠</m:t>
+                          <m:t>𝒔</m:t>
                         </m:r>
                         <m:r>
-                          <a:rPr lang="en-US" altLang="ko-KR" sz="2100" b="0" i="1" smtClean="0">
+                          <a:rPr lang="en-US" altLang="ko-KR" sz="2100" b="1" i="1" smtClean="0">
                             <a:latin typeface="Cambria Math" panose="02040503050406030204" pitchFamily="18" charset="0"/>
                             <a:cs typeface="Arial"/>
                           </a:rPr>
                           <m:t>,</m:t>
                         </m:r>
                         <m:r>
-                          <a:rPr lang="en-US" altLang="ko-KR" sz="2100" b="0" i="1" smtClean="0">
+                          <a:rPr lang="en-US" altLang="ko-KR" sz="2100" b="1" i="1" smtClean="0">
                             <a:latin typeface="Cambria Math" panose="02040503050406030204" pitchFamily="18" charset="0"/>
                             <a:cs typeface="Arial"/>
                           </a:rPr>
-                          <m:t>𝑎</m:t>
+                          <m:t>𝒂</m:t>
                         </m:r>
                       </m:e>
                     </m:d>
                     <m:r>
-                      <a:rPr lang="en-US" altLang="ko-KR" sz="2100" b="0" i="1" smtClean="0">
+                      <a:rPr lang="en-US" altLang="ko-KR" sz="2100" b="1" i="1" smtClean="0">
                         <a:latin typeface="Cambria Math" panose="02040503050406030204" pitchFamily="18" charset="0"/>
                         <a:cs typeface="Arial"/>
                       </a:rPr>
@@ -7120,7 +7683,7 @@
                     <m:sSub>
                       <m:sSubPr>
                         <m:ctrlPr>
-                          <a:rPr lang="en-US" altLang="ko-KR" sz="2100" b="0" i="1" smtClean="0">
+                          <a:rPr lang="en-US" altLang="ko-KR" sz="2100" b="1" i="1" smtClean="0">
                             <a:latin typeface="Cambria Math" panose="02040503050406030204" pitchFamily="18" charset="0"/>
                             <a:cs typeface="Arial"/>
                           </a:rPr>
@@ -7128,7 +7691,7 @@
                       </m:sSubPr>
                       <m:e>
                         <m:r>
-                          <a:rPr lang="ko-KR" altLang="en-US" sz="2100" b="0" i="1" smtClean="0">
+                          <a:rPr lang="ko-KR" altLang="en-US" sz="2100" b="1" i="1" smtClean="0">
                             <a:latin typeface="Cambria Math" panose="02040503050406030204" pitchFamily="18" charset="0"/>
                             <a:cs typeface="Arial"/>
                           </a:rPr>
@@ -7137,11 +7700,11 @@
                       </m:e>
                       <m:sub>
                         <m:r>
-                          <a:rPr lang="en-US" altLang="ko-KR" sz="2100" b="0" i="1" smtClean="0">
+                          <a:rPr lang="en-US" altLang="ko-KR" sz="2100" b="1" i="1" smtClean="0">
                             <a:latin typeface="Cambria Math" panose="02040503050406030204" pitchFamily="18" charset="0"/>
                             <a:cs typeface="Arial"/>
                           </a:rPr>
-                          <m:t>𝜋</m:t>
+                          <m:t>𝝅</m:t>
                         </m:r>
                       </m:sub>
                     </m:sSub>
@@ -7150,7 +7713,7 @@
                         <m:begChr m:val="["/>
                         <m:endChr m:val="]"/>
                         <m:ctrlPr>
-                          <a:rPr lang="en-US" altLang="ko-KR" sz="2100" b="0" i="1" smtClean="0">
+                          <a:rPr lang="en-US" altLang="ko-KR" sz="2100" b="1" i="1" smtClean="0">
                             <a:latin typeface="Cambria Math" panose="02040503050406030204" pitchFamily="18" charset="0"/>
                             <a:cs typeface="Arial"/>
                           </a:rPr>
@@ -7160,7 +7723,7 @@
                         <m:sSub>
                           <m:sSubPr>
                             <m:ctrlPr>
-                              <a:rPr lang="en-US" altLang="ko-KR" sz="2100" b="0" i="1" smtClean="0">
+                              <a:rPr lang="en-US" altLang="ko-KR" sz="2100" b="1" i="1" smtClean="0">
                                 <a:latin typeface="Cambria Math" panose="02040503050406030204" pitchFamily="18" charset="0"/>
                                 <a:cs typeface="Arial"/>
                               </a:rPr>
@@ -7168,20 +7731,20 @@
                           </m:sSubPr>
                           <m:e>
                             <m:r>
-                              <a:rPr lang="en-US" altLang="ko-KR" sz="2100" b="0" i="1" smtClean="0">
+                              <a:rPr lang="en-US" altLang="ko-KR" sz="2100" b="1" i="1" smtClean="0">
                                 <a:latin typeface="Cambria Math" panose="02040503050406030204" pitchFamily="18" charset="0"/>
                                 <a:cs typeface="Arial"/>
                               </a:rPr>
-                              <m:t>𝐺</m:t>
+                              <m:t>𝑮</m:t>
                             </m:r>
                           </m:e>
                           <m:sub>
                             <m:r>
-                              <a:rPr lang="en-US" altLang="ko-KR" sz="2100" b="0" i="1" smtClean="0">
+                              <a:rPr lang="en-US" altLang="ko-KR" sz="2100" b="1" i="1" smtClean="0">
                                 <a:latin typeface="Cambria Math" panose="02040503050406030204" pitchFamily="18" charset="0"/>
                                 <a:cs typeface="Arial"/>
                               </a:rPr>
-                              <m:t>𝑡</m:t>
+                              <m:t>𝒕</m:t>
                             </m:r>
                           </m:sub>
                         </m:sSub>
@@ -7190,7 +7753,7 @@
                         <m:sSub>
                           <m:sSubPr>
                             <m:ctrlPr>
-                              <a:rPr lang="en-US" altLang="ko-KR" sz="2100" b="0" i="1" smtClean="0">
+                              <a:rPr lang="en-US" altLang="ko-KR" sz="2100" b="1" i="1" smtClean="0">
                                 <a:latin typeface="Cambria Math" panose="02040503050406030204" pitchFamily="18" charset="0"/>
                                 <a:cs typeface="Arial"/>
                               </a:rPr>
@@ -7198,39 +7761,39 @@
                           </m:sSubPr>
                           <m:e>
                             <m:r>
-                              <a:rPr lang="en-US" altLang="ko-KR" sz="2100" b="0" i="1" smtClean="0">
+                              <a:rPr lang="en-US" altLang="ko-KR" sz="2100" b="1" i="1" smtClean="0">
                                 <a:latin typeface="Cambria Math" panose="02040503050406030204" pitchFamily="18" charset="0"/>
                                 <a:cs typeface="Arial"/>
                               </a:rPr>
-                              <m:t>𝑆</m:t>
+                              <m:t>𝑺</m:t>
                             </m:r>
                           </m:e>
                           <m:sub>
                             <m:r>
-                              <a:rPr lang="en-US" altLang="ko-KR" sz="2100" b="0" i="1" smtClean="0">
+                              <a:rPr lang="en-US" altLang="ko-KR" sz="2100" b="1" i="1" smtClean="0">
                                 <a:latin typeface="Cambria Math" panose="02040503050406030204" pitchFamily="18" charset="0"/>
                                 <a:cs typeface="Arial"/>
                               </a:rPr>
-                              <m:t>𝑡</m:t>
+                              <m:t>𝒕</m:t>
                             </m:r>
                           </m:sub>
                         </m:sSub>
                         <m:r>
-                          <a:rPr lang="en-US" altLang="ko-KR" sz="2100" b="0" i="1" smtClean="0">
+                          <a:rPr lang="en-US" altLang="ko-KR" sz="2100" b="1" i="1" smtClean="0">
                             <a:latin typeface="Cambria Math" panose="02040503050406030204" pitchFamily="18" charset="0"/>
                             <a:cs typeface="Arial"/>
                           </a:rPr>
                           <m:t>=</m:t>
                         </m:r>
                         <m:r>
-                          <a:rPr lang="en-US" altLang="ko-KR" sz="2100" b="0" i="1" smtClean="0">
+                          <a:rPr lang="en-US" altLang="ko-KR" sz="2100" b="1" i="1" smtClean="0">
                             <a:latin typeface="Cambria Math" panose="02040503050406030204" pitchFamily="18" charset="0"/>
                             <a:cs typeface="Arial"/>
                           </a:rPr>
-                          <m:t>𝑠</m:t>
+                          <m:t>𝒔</m:t>
                         </m:r>
                         <m:r>
-                          <a:rPr lang="en-US" altLang="ko-KR" sz="2100" b="0" i="1" smtClean="0">
+                          <a:rPr lang="en-US" altLang="ko-KR" sz="2100" b="1" i="1" smtClean="0">
                             <a:latin typeface="Cambria Math" panose="02040503050406030204" pitchFamily="18" charset="0"/>
                             <a:cs typeface="Arial"/>
                           </a:rPr>
@@ -7239,7 +7802,7 @@
                         <m:sSub>
                           <m:sSubPr>
                             <m:ctrlPr>
-                              <a:rPr lang="en-US" altLang="ko-KR" sz="2100" b="0" i="1" smtClean="0">
+                              <a:rPr lang="en-US" altLang="ko-KR" sz="2100" b="1" i="1" smtClean="0">
                                 <a:latin typeface="Cambria Math" panose="02040503050406030204" pitchFamily="18" charset="0"/>
                                 <a:cs typeface="Arial"/>
                               </a:rPr>
@@ -7247,42 +7810,42 @@
                           </m:sSubPr>
                           <m:e>
                             <m:r>
-                              <a:rPr lang="en-US" altLang="ko-KR" sz="2100" b="0" i="1" smtClean="0">
+                              <a:rPr lang="en-US" altLang="ko-KR" sz="2100" b="1" i="1" smtClean="0">
                                 <a:latin typeface="Cambria Math" panose="02040503050406030204" pitchFamily="18" charset="0"/>
                                 <a:cs typeface="Arial"/>
                               </a:rPr>
-                              <m:t>𝐴</m:t>
+                              <m:t>𝑨</m:t>
                             </m:r>
                           </m:e>
                           <m:sub>
                             <m:r>
-                              <a:rPr lang="en-US" altLang="ko-KR" sz="2100" b="0" i="1" smtClean="0">
+                              <a:rPr lang="en-US" altLang="ko-KR" sz="2100" b="1" i="1" smtClean="0">
                                 <a:latin typeface="Cambria Math" panose="02040503050406030204" pitchFamily="18" charset="0"/>
                                 <a:cs typeface="Arial"/>
                               </a:rPr>
-                              <m:t>𝑡</m:t>
+                              <m:t>𝒕</m:t>
                             </m:r>
                           </m:sub>
                         </m:sSub>
                         <m:r>
-                          <a:rPr lang="en-US" altLang="ko-KR" sz="2100" b="0" i="1" smtClean="0">
+                          <a:rPr lang="en-US" altLang="ko-KR" sz="2100" b="1" i="1" smtClean="0">
                             <a:latin typeface="Cambria Math" panose="02040503050406030204" pitchFamily="18" charset="0"/>
                             <a:cs typeface="Arial"/>
                           </a:rPr>
                           <m:t>=</m:t>
                         </m:r>
                         <m:r>
-                          <a:rPr lang="en-US" altLang="ko-KR" sz="2100" b="0" i="1" smtClean="0">
+                          <a:rPr lang="en-US" altLang="ko-KR" sz="2100" b="1" i="1" smtClean="0">
                             <a:latin typeface="Cambria Math" panose="02040503050406030204" pitchFamily="18" charset="0"/>
                             <a:cs typeface="Arial"/>
                           </a:rPr>
-                          <m:t>𝑎</m:t>
+                          <m:t>𝒂</m:t>
                         </m:r>
                       </m:e>
                     </m:d>
                   </m:oMath>
                 </a14:m>
-                <a:endParaRPr lang="en-US" altLang="ko-KR" sz="2100">
+                <a:endParaRPr lang="en-US" altLang="ko-KR" sz="2100" b="1">
                   <a:latin typeface="Arial"/>
                   <a:cs typeface="Arial"/>
                 </a:endParaRPr>
@@ -7509,8 +8072,8 @@
           </a:p>
         </p:txBody>
       </p:sp>
-      <mc:AlternateContent xmlns:mc="http://schemas.openxmlformats.org/markup-compatibility/2006">
-        <mc:Choice xmlns:a14="http://schemas.microsoft.com/office/drawing/2010/main" Requires="a14">
+      <mc:AlternateContent xmlns:mc="http://schemas.openxmlformats.org/markup-compatibility/2006" xmlns:a14="http://schemas.microsoft.com/office/drawing/2010/main">
+        <mc:Choice Requires="a14">
           <p:sp>
             <p:nvSpPr>
               <p:cNvPr id="4" name="object 4"/>
@@ -8217,7 +8780,7 @@
             </p:txBody>
           </p:sp>
         </mc:Choice>
-        <mc:Fallback>
+        <mc:Fallback xmlns="">
           <p:sp>
             <p:nvSpPr>
               <p:cNvPr id="4" name="object 4"/>

--- a/004 Reinforcement Learning/Introduction to RL-Part 2.pptx
+++ b/004 Reinforcement Learning/Introduction to RL-Part 2.pptx
@@ -5,7 +5,7 @@
     <p:sldMasterId id="2147483648" r:id="rId1"/>
   </p:sldMasterIdLst>
   <p:notesMasterIdLst>
-    <p:notesMasterId r:id="rId19"/>
+    <p:notesMasterId r:id="rId18"/>
   </p:notesMasterIdLst>
   <p:sldIdLst>
     <p:sldId id="256" r:id="rId2"/>
@@ -22,9 +22,8 @@
     <p:sldId id="336" r:id="rId13"/>
     <p:sldId id="337" r:id="rId14"/>
     <p:sldId id="338" r:id="rId15"/>
-    <p:sldId id="339" r:id="rId16"/>
-    <p:sldId id="341" r:id="rId17"/>
-    <p:sldId id="342" r:id="rId18"/>
+    <p:sldId id="343" r:id="rId16"/>
+    <p:sldId id="339" r:id="rId17"/>
   </p:sldIdLst>
   <p:sldSz cx="13004800" cy="9753600"/>
   <p:notesSz cx="13004800" cy="9753600"/>
@@ -134,7 +133,7 @@
           <a:p>
             <a:fld id="{154940A5-D549-416E-82D8-EF13869FA25D}" type="datetimeFigureOut">
               <a:rPr lang="ko-KR" altLang="en-US" smtClean="0"/>
-              <a:t>2024-01-31</a:t>
+              <a:t>2024-02-06</a:t>
             </a:fld>
             <a:endParaRPr lang="ko-KR" altLang="en-US"/>
           </a:p>
@@ -826,7 +825,13 @@
   <p:cSld>
     <p:spTree>
       <p:nvGrpSpPr>
-        <p:cNvPr id="1" name=""/>
+        <p:cNvPr id="1" name="">
+          <a:extLst>
+            <a:ext uri="{FF2B5EF4-FFF2-40B4-BE49-F238E27FC236}">
+              <a16:creationId xmlns:a16="http://schemas.microsoft.com/office/drawing/2014/main" id="{7F120EE9-C90C-B49B-1828-A60B2ED360A6}"/>
+            </a:ext>
+          </a:extLst>
+        </p:cNvPr>
         <p:cNvGrpSpPr/>
         <p:nvPr/>
       </p:nvGrpSpPr>
@@ -840,7 +845,13 @@
       </p:grpSpPr>
       <p:sp>
         <p:nvSpPr>
-          <p:cNvPr id="2" name="슬라이드 이미지 개체 틀 1"/>
+          <p:cNvPr id="2" name="슬라이드 이미지 개체 틀 1">
+            <a:extLst>
+              <a:ext uri="{FF2B5EF4-FFF2-40B4-BE49-F238E27FC236}">
+                <a16:creationId xmlns:a16="http://schemas.microsoft.com/office/drawing/2014/main" id="{9AA7E32A-DC5D-A871-AACD-50B366BEDEE1}"/>
+              </a:ext>
+            </a:extLst>
+          </p:cNvPr>
           <p:cNvSpPr>
             <a:spLocks noGrp="1" noRot="1" noChangeAspect="1"/>
           </p:cNvSpPr>
@@ -852,7 +863,13 @@
       </p:sp>
       <p:sp>
         <p:nvSpPr>
-          <p:cNvPr id="3" name="슬라이드 노트 개체 틀 2"/>
+          <p:cNvPr id="3" name="슬라이드 노트 개체 틀 2">
+            <a:extLst>
+              <a:ext uri="{FF2B5EF4-FFF2-40B4-BE49-F238E27FC236}">
+                <a16:creationId xmlns:a16="http://schemas.microsoft.com/office/drawing/2014/main" id="{0F76C134-3E1F-C66F-9712-DD38D8F2D8A8}"/>
+              </a:ext>
+            </a:extLst>
+          </p:cNvPr>
           <p:cNvSpPr>
             <a:spLocks noGrp="1"/>
           </p:cNvSpPr>
@@ -871,7 +888,13 @@
       </p:sp>
       <p:sp>
         <p:nvSpPr>
-          <p:cNvPr id="4" name="슬라이드 번호 개체 틀 3"/>
+          <p:cNvPr id="4" name="슬라이드 번호 개체 틀 3">
+            <a:extLst>
+              <a:ext uri="{FF2B5EF4-FFF2-40B4-BE49-F238E27FC236}">
+                <a16:creationId xmlns:a16="http://schemas.microsoft.com/office/drawing/2014/main" id="{AE26A5BB-2016-4A59-85E8-DBF6F9B1C081}"/>
+              </a:ext>
+            </a:extLst>
+          </p:cNvPr>
           <p:cNvSpPr>
             <a:spLocks noGrp="1"/>
           </p:cNvSpPr>
@@ -895,7 +918,7 @@
     </p:spTree>
     <p:extLst>
       <p:ext uri="{BB962C8B-B14F-4D97-AF65-F5344CB8AC3E}">
-        <p14:creationId xmlns:p14="http://schemas.microsoft.com/office/powerpoint/2010/main" val="1075350832"/>
+        <p14:creationId xmlns:p14="http://schemas.microsoft.com/office/powerpoint/2010/main" val="3756824658"/>
       </p:ext>
     </p:extLst>
   </p:cSld>
@@ -979,91 +1002,7 @@
     </p:spTree>
     <p:extLst>
       <p:ext uri="{BB962C8B-B14F-4D97-AF65-F5344CB8AC3E}">
-        <p14:creationId xmlns:p14="http://schemas.microsoft.com/office/powerpoint/2010/main" val="38451803"/>
-      </p:ext>
-    </p:extLst>
-  </p:cSld>
-  <p:clrMapOvr>
-    <a:masterClrMapping/>
-  </p:clrMapOvr>
-</p:notes>
-</file>
-
-<file path=ppt/notesSlides/notesSlide16.xml><?xml version="1.0" encoding="utf-8"?>
-<p:notes xmlns:a="http://schemas.openxmlformats.org/drawingml/2006/main" xmlns:r="http://schemas.openxmlformats.org/officeDocument/2006/relationships" xmlns:p="http://schemas.openxmlformats.org/presentationml/2006/main">
-  <p:cSld>
-    <p:spTree>
-      <p:nvGrpSpPr>
-        <p:cNvPr id="1" name=""/>
-        <p:cNvGrpSpPr/>
-        <p:nvPr/>
-      </p:nvGrpSpPr>
-      <p:grpSpPr>
-        <a:xfrm>
-          <a:off x="0" y="0"/>
-          <a:ext cx="0" cy="0"/>
-          <a:chOff x="0" y="0"/>
-          <a:chExt cx="0" cy="0"/>
-        </a:xfrm>
-      </p:grpSpPr>
-      <p:sp>
-        <p:nvSpPr>
-          <p:cNvPr id="2" name="슬라이드 이미지 개체 틀 1"/>
-          <p:cNvSpPr>
-            <a:spLocks noGrp="1" noRot="1" noChangeAspect="1"/>
-          </p:cNvSpPr>
-          <p:nvPr>
-            <p:ph type="sldImg"/>
-          </p:nvPr>
-        </p:nvSpPr>
-        <p:spPr/>
-      </p:sp>
-      <p:sp>
-        <p:nvSpPr>
-          <p:cNvPr id="3" name="슬라이드 노트 개체 틀 2"/>
-          <p:cNvSpPr>
-            <a:spLocks noGrp="1"/>
-          </p:cNvSpPr>
-          <p:nvPr>
-            <p:ph type="body" idx="1"/>
-          </p:nvPr>
-        </p:nvSpPr>
-        <p:spPr/>
-        <p:txBody>
-          <a:bodyPr/>
-          <a:lstStyle/>
-          <a:p>
-            <a:endParaRPr lang="ko-KR" altLang="en-US"/>
-          </a:p>
-        </p:txBody>
-      </p:sp>
-      <p:sp>
-        <p:nvSpPr>
-          <p:cNvPr id="4" name="슬라이드 번호 개체 틀 3"/>
-          <p:cNvSpPr>
-            <a:spLocks noGrp="1"/>
-          </p:cNvSpPr>
-          <p:nvPr>
-            <p:ph type="sldNum" sz="quarter" idx="5"/>
-          </p:nvPr>
-        </p:nvSpPr>
-        <p:spPr/>
-        <p:txBody>
-          <a:bodyPr/>
-          <a:lstStyle/>
-          <a:p>
-            <a:fld id="{15E379A2-52E3-4F4A-8743-F07D02140E24}" type="slidenum">
-              <a:rPr lang="ko-KR" altLang="en-US" smtClean="0"/>
-              <a:t>17</a:t>
-            </a:fld>
-            <a:endParaRPr lang="ko-KR" altLang="en-US"/>
-          </a:p>
-        </p:txBody>
-      </p:sp>
-    </p:spTree>
-    <p:extLst>
-      <p:ext uri="{BB962C8B-B14F-4D97-AF65-F5344CB8AC3E}">
-        <p14:creationId xmlns:p14="http://schemas.microsoft.com/office/powerpoint/2010/main" val="2286227268"/>
+        <p14:creationId xmlns:p14="http://schemas.microsoft.com/office/powerpoint/2010/main" val="1075350832"/>
       </p:ext>
     </p:extLst>
   </p:cSld>
@@ -1898,7 +1837,7 @@
           <a:p>
             <a:fld id="{1DACB7AB-7364-40E4-B78F-AC9F2972BE20}" type="datetime1">
               <a:rPr lang="en-US" altLang="ko-KR" smtClean="0"/>
-              <a:t>1/31/2024</a:t>
+              <a:t>2/6/2024</a:t>
             </a:fld>
             <a:endParaRPr lang="en-US"/>
           </a:p>
@@ -2069,7 +2008,7 @@
           <a:p>
             <a:fld id="{C36C558B-EAEA-4EF5-9399-5D8AB03E5667}" type="datetime1">
               <a:rPr lang="en-US" altLang="ko-KR" smtClean="0"/>
-              <a:t>1/31/2024</a:t>
+              <a:t>2/6/2024</a:t>
             </a:fld>
             <a:endParaRPr lang="en-US"/>
           </a:p>
@@ -2283,7 +2222,7 @@
           <a:p>
             <a:fld id="{3E064E0E-3A79-4D2E-B854-3E3839FD5FC9}" type="datetime1">
               <a:rPr lang="en-US" altLang="ko-KR" smtClean="0"/>
-              <a:t>1/31/2024</a:t>
+              <a:t>2/6/2024</a:t>
             </a:fld>
             <a:endParaRPr lang="en-US"/>
           </a:p>
@@ -2431,7 +2370,7 @@
           <a:p>
             <a:fld id="{71DF252F-5407-4AEA-973D-CF6231B4087D}" type="datetime1">
               <a:rPr lang="en-US" altLang="ko-KR" smtClean="0"/>
-              <a:t>1/31/2024</a:t>
+              <a:t>2/6/2024</a:t>
             </a:fld>
             <a:endParaRPr lang="en-US"/>
           </a:p>
@@ -2550,7 +2489,7 @@
           <a:p>
             <a:fld id="{98331009-162D-4C9E-9435-71AA30759F67}" type="datetime1">
               <a:rPr lang="en-US" altLang="ko-KR" smtClean="0"/>
-              <a:t>1/31/2024</a:t>
+              <a:t>2/6/2024</a:t>
             </a:fld>
             <a:endParaRPr lang="en-US"/>
           </a:p>
@@ -2833,7 +2772,7 @@
           <a:p>
             <a:fld id="{0D095A66-CD1E-4C74-AB6E-361AA158CC4C}" type="datetime1">
               <a:rPr lang="en-US" altLang="ko-KR" smtClean="0"/>
-              <a:t>1/31/2024</a:t>
+              <a:t>2/6/2024</a:t>
             </a:fld>
             <a:endParaRPr lang="en-US"/>
           </a:p>
@@ -3603,10 +3542,10 @@
       </p:sp>
       <p:pic>
         <p:nvPicPr>
-          <p:cNvPr id="6" name="그림 5">
+          <p:cNvPr id="5" name="그림 4">
             <a:extLst>
               <a:ext uri="{FF2B5EF4-FFF2-40B4-BE49-F238E27FC236}">
-                <a16:creationId xmlns:a16="http://schemas.microsoft.com/office/drawing/2014/main" id="{7B48F6DB-8F91-B7FA-1B04-8AC3176F2F45}"/>
+                <a16:creationId xmlns:a16="http://schemas.microsoft.com/office/drawing/2014/main" id="{56DD6066-41E7-91B2-2329-62816D924438}"/>
               </a:ext>
             </a:extLst>
           </p:cNvPr>
@@ -3623,14 +3562,122 @@
         </p:blipFill>
         <p:spPr>
           <a:xfrm>
-            <a:off x="2768600" y="1905000"/>
-            <a:ext cx="7162800" cy="6522673"/>
+            <a:off x="482600" y="1674999"/>
+            <a:ext cx="7162800" cy="2420761"/>
           </a:xfrm>
           <a:prstGeom prst="rect">
             <a:avLst/>
           </a:prstGeom>
         </p:spPr>
       </p:pic>
+      <p:pic>
+        <p:nvPicPr>
+          <p:cNvPr id="9" name="그림 8">
+            <a:extLst>
+              <a:ext uri="{FF2B5EF4-FFF2-40B4-BE49-F238E27FC236}">
+                <a16:creationId xmlns:a16="http://schemas.microsoft.com/office/drawing/2014/main" id="{C1777F0E-9D89-09EF-AB60-96E84A7D2D8A}"/>
+              </a:ext>
+            </a:extLst>
+          </p:cNvPr>
+          <p:cNvPicPr>
+            <a:picLocks noChangeAspect="1"/>
+          </p:cNvPicPr>
+          <p:nvPr/>
+        </p:nvPicPr>
+        <p:blipFill>
+          <a:blip r:embed="rId4"/>
+          <a:stretch>
+            <a:fillRect/>
+          </a:stretch>
+        </p:blipFill>
+        <p:spPr>
+          <a:xfrm>
+            <a:off x="1625600" y="4533082"/>
+            <a:ext cx="9096869" cy="3545519"/>
+          </a:xfrm>
+          <a:prstGeom prst="rect">
+            <a:avLst/>
+          </a:prstGeom>
+        </p:spPr>
+      </p:pic>
+      <p:sp>
+        <p:nvSpPr>
+          <p:cNvPr id="11" name="TextBox 10">
+            <a:extLst>
+              <a:ext uri="{FF2B5EF4-FFF2-40B4-BE49-F238E27FC236}">
+                <a16:creationId xmlns:a16="http://schemas.microsoft.com/office/drawing/2014/main" id="{D52AAE82-9C05-8B7B-6F93-1365B38F3339}"/>
+              </a:ext>
+            </a:extLst>
+          </p:cNvPr>
+          <p:cNvSpPr txBox="1"/>
+          <p:nvPr/>
+        </p:nvSpPr>
+        <p:spPr>
+          <a:xfrm>
+            <a:off x="3610700" y="8146591"/>
+            <a:ext cx="2364740" cy="369332"/>
+          </a:xfrm>
+          <a:prstGeom prst="rect">
+            <a:avLst/>
+          </a:prstGeom>
+          <a:noFill/>
+        </p:spPr>
+        <p:txBody>
+          <a:bodyPr wrap="square">
+            <a:spAutoFit/>
+          </a:bodyPr>
+          <a:lstStyle/>
+          <a:p>
+            <a:r>
+              <a:rPr lang="en-US" altLang="ko-KR" sz="1800">
+                <a:latin typeface="Arial"/>
+                <a:cs typeface="Arial"/>
+              </a:rPr>
+              <a:t>Monte-Carlo method</a:t>
+            </a:r>
+            <a:endParaRPr lang="ko-KR" altLang="en-US"/>
+          </a:p>
+        </p:txBody>
+      </p:sp>
+      <p:sp>
+        <p:nvSpPr>
+          <p:cNvPr id="12" name="TextBox 11">
+            <a:extLst>
+              <a:ext uri="{FF2B5EF4-FFF2-40B4-BE49-F238E27FC236}">
+                <a16:creationId xmlns:a16="http://schemas.microsoft.com/office/drawing/2014/main" id="{E90047FA-53B4-B872-9DDB-67ECA90DA2EF}"/>
+              </a:ext>
+            </a:extLst>
+          </p:cNvPr>
+          <p:cNvSpPr txBox="1"/>
+          <p:nvPr/>
+        </p:nvSpPr>
+        <p:spPr>
+          <a:xfrm>
+            <a:off x="6859835" y="8145531"/>
+            <a:ext cx="3405434" cy="369332"/>
+          </a:xfrm>
+          <a:prstGeom prst="rect">
+            <a:avLst/>
+          </a:prstGeom>
+          <a:noFill/>
+        </p:spPr>
+        <p:txBody>
+          <a:bodyPr wrap="square">
+            <a:spAutoFit/>
+          </a:bodyPr>
+          <a:lstStyle/>
+          <a:p>
+            <a:r>
+              <a:rPr lang="en-US" altLang="ko-KR" sz="1800">
+                <a:latin typeface="Arial"/>
+                <a:cs typeface="Arial"/>
+              </a:rPr>
+              <a:t>Temporal Difference learning</a:t>
+            </a:r>
+            <a:endParaRPr lang="ko-KR" altLang="en-US"/>
+          </a:p>
+        </p:txBody>
+      </p:sp>
     </p:spTree>
     <p:extLst>
       <p:ext uri="{BB962C8B-B14F-4D97-AF65-F5344CB8AC3E}">
@@ -3879,7 +3926,7 @@
         </p:blipFill>
         <p:spPr>
           <a:xfrm>
-            <a:off x="4292600" y="2633009"/>
+            <a:off x="4292600" y="1828800"/>
             <a:ext cx="4004031" cy="777253"/>
           </a:xfrm>
           <a:prstGeom prst="rect">
@@ -3909,7 +3956,7 @@
         </p:blipFill>
         <p:spPr>
           <a:xfrm>
-            <a:off x="1010127" y="3611013"/>
+            <a:off x="1010127" y="2806804"/>
             <a:ext cx="11106897" cy="1281113"/>
           </a:xfrm>
           <a:prstGeom prst="rect">
@@ -3939,7 +3986,7 @@
         </p:blipFill>
         <p:spPr>
           <a:xfrm>
-            <a:off x="7751649" y="4617190"/>
+            <a:off x="8737496" y="4469593"/>
             <a:ext cx="4243024" cy="4956213"/>
           </a:xfrm>
           <a:prstGeom prst="rect">
@@ -3969,8 +4016,38 @@
         </p:blipFill>
         <p:spPr>
           <a:xfrm>
-            <a:off x="711200" y="6070881"/>
+            <a:off x="1473200" y="7587889"/>
             <a:ext cx="6372225" cy="1704975"/>
+          </a:xfrm>
+          <a:prstGeom prst="rect">
+            <a:avLst/>
+          </a:prstGeom>
+        </p:spPr>
+      </p:pic>
+      <p:pic>
+        <p:nvPicPr>
+          <p:cNvPr id="5" name="그림 4">
+            <a:extLst>
+              <a:ext uri="{FF2B5EF4-FFF2-40B4-BE49-F238E27FC236}">
+                <a16:creationId xmlns:a16="http://schemas.microsoft.com/office/drawing/2014/main" id="{F4D9F197-97DA-E070-6DCC-B788B47E497B}"/>
+              </a:ext>
+            </a:extLst>
+          </p:cNvPr>
+          <p:cNvPicPr>
+            <a:picLocks noChangeAspect="1"/>
+          </p:cNvPicPr>
+          <p:nvPr/>
+        </p:nvPicPr>
+        <p:blipFill>
+          <a:blip r:embed="rId7"/>
+          <a:stretch>
+            <a:fillRect/>
+          </a:stretch>
+        </p:blipFill>
+        <p:spPr>
+          <a:xfrm>
+            <a:off x="216765" y="4245654"/>
+            <a:ext cx="8557926" cy="3233814"/>
           </a:xfrm>
           <a:prstGeom prst="rect">
             <a:avLst/>
@@ -4511,7 +4588,7 @@
         </p:blipFill>
         <p:spPr>
           <a:xfrm>
-            <a:off x="208232" y="2057400"/>
+            <a:off x="245291" y="2057400"/>
             <a:ext cx="12353109" cy="6267875"/>
           </a:xfrm>
           <a:prstGeom prst="rect">
@@ -4601,7 +4678,7 @@
         <p:spPr>
           <a:xfrm>
             <a:off x="254502" y="963907"/>
-            <a:ext cx="12098607" cy="1468351"/>
+            <a:ext cx="12098607" cy="498855"/>
           </a:xfrm>
           <a:prstGeom prst="rect">
             <a:avLst/>
@@ -4649,70 +4726,19 @@
               </a:rPr>
               <a:t>Deep Q-Networks (DQN)</a:t>
             </a:r>
-          </a:p>
-          <a:p>
-            <a:pPr marL="12065" marR="0" lvl="0" indent="0" defTabSz="914400" eaLnBrk="1" fontAlgn="auto" latinLnBrk="0" hangingPunct="1">
-              <a:lnSpc>
-                <a:spcPct val="100000"/>
-              </a:lnSpc>
-              <a:spcBef>
-                <a:spcPts val="910"/>
-              </a:spcBef>
-              <a:spcAft>
-                <a:spcPts val="0"/>
-              </a:spcAft>
-              <a:buClrTx/>
-              <a:buSzTx/>
-              <a:buFontTx/>
-              <a:buNone/>
-              <a:tabLst>
-                <a:tab pos="335280" algn="l"/>
-                <a:tab pos="335915" algn="l"/>
-              </a:tabLst>
-              <a:defRPr/>
-            </a:pPr>
-            <a:endParaRPr lang="en-US" altLang="ko-KR" sz="2400">
+            <a:endParaRPr kumimoji="0" lang="en-US" altLang="ko-KR" sz="2100" i="0" u="none" strike="noStrike" kern="0" cap="none" spc="0" normalizeH="0" baseline="0" noProof="0">
+              <a:ln>
+                <a:noFill/>
+              </a:ln>
+              <a:solidFill>
+                <a:sysClr val="windowText" lastClr="000000"/>
+              </a:solidFill>
+              <a:effectLst/>
+              <a:uLnTx/>
+              <a:uFillTx/>
               <a:latin typeface="Arial"/>
               <a:cs typeface="Arial"/>
             </a:endParaRPr>
-          </a:p>
-          <a:p>
-            <a:pPr marL="12065" marR="0" lvl="0" indent="0" defTabSz="914400" eaLnBrk="1" fontAlgn="auto" latinLnBrk="0" hangingPunct="1">
-              <a:lnSpc>
-                <a:spcPct val="100000"/>
-              </a:lnSpc>
-              <a:spcBef>
-                <a:spcPts val="910"/>
-              </a:spcBef>
-              <a:spcAft>
-                <a:spcPts val="0"/>
-              </a:spcAft>
-              <a:buClrTx/>
-              <a:buSzTx/>
-              <a:buFontTx/>
-              <a:buNone/>
-              <a:tabLst>
-                <a:tab pos="335280" algn="l"/>
-                <a:tab pos="335915" algn="l"/>
-              </a:tabLst>
-              <a:defRPr/>
-            </a:pPr>
-            <a:r>
-              <a:rPr kumimoji="0" lang="en-US" altLang="ko-KR" sz="2100" i="0" u="none" strike="noStrike" kern="0" cap="none" spc="0" normalizeH="0" baseline="0" noProof="0">
-                <a:ln>
-                  <a:noFill/>
-                </a:ln>
-                <a:solidFill>
-                  <a:sysClr val="windowText" lastClr="000000"/>
-                </a:solidFill>
-                <a:effectLst/>
-                <a:uLnTx/>
-                <a:uFillTx/>
-                <a:latin typeface="Arial"/>
-                <a:cs typeface="Arial"/>
-              </a:rPr>
-              <a:t>-d</a:t>
-            </a:r>
           </a:p>
         </p:txBody>
       </p:sp>
@@ -4793,6 +4819,245 @@
   <p:cSld>
     <p:spTree>
       <p:nvGrpSpPr>
+        <p:cNvPr id="1" name="">
+          <a:extLst>
+            <a:ext uri="{FF2B5EF4-FFF2-40B4-BE49-F238E27FC236}">
+              <a16:creationId xmlns:a16="http://schemas.microsoft.com/office/drawing/2014/main" id="{40B2B9DC-C41A-947F-160C-EDBDFCFA5BD0}"/>
+            </a:ext>
+          </a:extLst>
+        </p:cNvPr>
+        <p:cNvGrpSpPr/>
+        <p:nvPr/>
+      </p:nvGrpSpPr>
+      <p:grpSpPr>
+        <a:xfrm>
+          <a:off x="0" y="0"/>
+          <a:ext cx="0" cy="0"/>
+          <a:chOff x="0" y="0"/>
+          <a:chExt cx="0" cy="0"/>
+        </a:xfrm>
+      </p:grpSpPr>
+      <p:sp>
+        <p:nvSpPr>
+          <p:cNvPr id="2" name="object 2">
+            <a:extLst>
+              <a:ext uri="{FF2B5EF4-FFF2-40B4-BE49-F238E27FC236}">
+                <a16:creationId xmlns:a16="http://schemas.microsoft.com/office/drawing/2014/main" id="{8EDC1C2A-FD40-A6A4-9EC0-C08D221339F3}"/>
+              </a:ext>
+            </a:extLst>
+          </p:cNvPr>
+          <p:cNvSpPr txBox="1"/>
+          <p:nvPr/>
+        </p:nvSpPr>
+        <p:spPr>
+          <a:xfrm>
+            <a:off x="143560" y="381000"/>
+            <a:ext cx="12454840" cy="382156"/>
+          </a:xfrm>
+          <a:prstGeom prst="rect">
+            <a:avLst/>
+          </a:prstGeom>
+        </p:spPr>
+        <p:txBody>
+          <a:bodyPr vert="horz" wrap="square" lIns="0" tIns="12700" rIns="0" bIns="0" rtlCol="0">
+            <a:spAutoFit/>
+          </a:bodyPr>
+          <a:lstStyle/>
+          <a:p>
+            <a:pPr marL="12700">
+              <a:lnSpc>
+                <a:spcPct val="100000"/>
+              </a:lnSpc>
+              <a:spcBef>
+                <a:spcPts val="100"/>
+              </a:spcBef>
+            </a:pPr>
+            <a:r>
+              <a:rPr lang="en-US" sz="2400" b="1" spc="95">
+                <a:latin typeface="Calibri"/>
+                <a:cs typeface="Calibri"/>
+              </a:rPr>
+              <a:t>Deep Q-Networks (DQN)</a:t>
+            </a:r>
+            <a:endParaRPr sz="2400">
+              <a:latin typeface="Calibri"/>
+              <a:cs typeface="Calibri"/>
+            </a:endParaRPr>
+          </a:p>
+        </p:txBody>
+      </p:sp>
+      <p:sp>
+        <p:nvSpPr>
+          <p:cNvPr id="4" name="object 4">
+            <a:extLst>
+              <a:ext uri="{FF2B5EF4-FFF2-40B4-BE49-F238E27FC236}">
+                <a16:creationId xmlns:a16="http://schemas.microsoft.com/office/drawing/2014/main" id="{F211D75A-2804-51AD-2BC4-D4163F209A13}"/>
+              </a:ext>
+            </a:extLst>
+          </p:cNvPr>
+          <p:cNvSpPr txBox="1"/>
+          <p:nvPr/>
+        </p:nvSpPr>
+        <p:spPr>
+          <a:xfrm>
+            <a:off x="254502" y="963907"/>
+            <a:ext cx="12098607" cy="983603"/>
+          </a:xfrm>
+          <a:prstGeom prst="rect">
+            <a:avLst/>
+          </a:prstGeom>
+        </p:spPr>
+        <p:txBody>
+          <a:bodyPr vert="horz" wrap="square" lIns="0" tIns="128270" rIns="0" bIns="0" rtlCol="0">
+            <a:spAutoFit/>
+          </a:bodyPr>
+          <a:lstStyle/>
+          <a:p>
+            <a:pPr marL="12065" marR="0" lvl="0" indent="0" defTabSz="914400" eaLnBrk="1" fontAlgn="auto" latinLnBrk="0" hangingPunct="1">
+              <a:lnSpc>
+                <a:spcPct val="100000"/>
+              </a:lnSpc>
+              <a:spcBef>
+                <a:spcPts val="910"/>
+              </a:spcBef>
+              <a:spcAft>
+                <a:spcPts val="0"/>
+              </a:spcAft>
+              <a:buClrTx/>
+              <a:buSzTx/>
+              <a:buFontTx/>
+              <a:buNone/>
+              <a:tabLst>
+                <a:tab pos="335280" algn="l"/>
+                <a:tab pos="335915" algn="l"/>
+              </a:tabLst>
+              <a:defRPr/>
+            </a:pPr>
+            <a:r>
+              <a:rPr kumimoji="0" lang="en-US" altLang="ko-KR" sz="2400" b="1" i="0" u="none" strike="noStrike" kern="0" cap="none" spc="0" normalizeH="0" baseline="0" noProof="0">
+                <a:ln>
+                  <a:noFill/>
+                </a:ln>
+                <a:solidFill>
+                  <a:sysClr val="windowText" lastClr="000000"/>
+                </a:solidFill>
+                <a:effectLst/>
+                <a:uLnTx/>
+                <a:uFillTx/>
+                <a:latin typeface="Arial"/>
+                <a:cs typeface="Arial"/>
+              </a:rPr>
+              <a:t>Deep Q-Networks (DQN)</a:t>
+            </a:r>
+          </a:p>
+          <a:p>
+            <a:pPr marL="12065" marR="0" lvl="0" indent="0" defTabSz="914400" eaLnBrk="1" fontAlgn="auto" latinLnBrk="0" hangingPunct="1">
+              <a:lnSpc>
+                <a:spcPct val="100000"/>
+              </a:lnSpc>
+              <a:spcBef>
+                <a:spcPts val="910"/>
+              </a:spcBef>
+              <a:spcAft>
+                <a:spcPts val="0"/>
+              </a:spcAft>
+              <a:buClrTx/>
+              <a:buSzTx/>
+              <a:buFontTx/>
+              <a:buNone/>
+              <a:tabLst>
+                <a:tab pos="335280" algn="l"/>
+                <a:tab pos="335915" algn="l"/>
+              </a:tabLst>
+              <a:defRPr/>
+            </a:pPr>
+            <a:r>
+              <a:rPr lang="en-US" altLang="ko-KR" sz="2400">
+                <a:latin typeface="Arial"/>
+                <a:cs typeface="Arial"/>
+              </a:rPr>
+              <a:t>- Target network</a:t>
+            </a:r>
+          </a:p>
+        </p:txBody>
+      </p:sp>
+      <p:sp>
+        <p:nvSpPr>
+          <p:cNvPr id="8" name="슬라이드 번호 개체 틀 7">
+            <a:extLst>
+              <a:ext uri="{FF2B5EF4-FFF2-40B4-BE49-F238E27FC236}">
+                <a16:creationId xmlns:a16="http://schemas.microsoft.com/office/drawing/2014/main" id="{985326D1-099F-BAFC-CF3E-11D985453C63}"/>
+              </a:ext>
+            </a:extLst>
+          </p:cNvPr>
+          <p:cNvSpPr>
+            <a:spLocks noGrp="1"/>
+          </p:cNvSpPr>
+          <p:nvPr>
+            <p:ph type="sldNum" sz="quarter" idx="7"/>
+          </p:nvPr>
+        </p:nvSpPr>
+        <p:spPr/>
+        <p:txBody>
+          <a:bodyPr/>
+          <a:lstStyle/>
+          <a:p>
+            <a:fld id="{B6F15528-21DE-4FAA-801E-634DDDAF4B2B}" type="slidenum">
+              <a:rPr lang="en-US" altLang="ko-KR" smtClean="0"/>
+              <a:t>15</a:t>
+            </a:fld>
+            <a:endParaRPr lang="ko-KR" altLang="en-US"/>
+          </a:p>
+        </p:txBody>
+      </p:sp>
+      <p:pic>
+        <p:nvPicPr>
+          <p:cNvPr id="6" name="그림 5">
+            <a:extLst>
+              <a:ext uri="{FF2B5EF4-FFF2-40B4-BE49-F238E27FC236}">
+                <a16:creationId xmlns:a16="http://schemas.microsoft.com/office/drawing/2014/main" id="{E1C53611-BBEA-D6E4-D569-1323D58F99EC}"/>
+              </a:ext>
+            </a:extLst>
+          </p:cNvPr>
+          <p:cNvPicPr>
+            <a:picLocks noChangeAspect="1"/>
+          </p:cNvPicPr>
+          <p:nvPr/>
+        </p:nvPicPr>
+        <p:blipFill>
+          <a:blip r:embed="rId3"/>
+          <a:stretch>
+            <a:fillRect/>
+          </a:stretch>
+        </p:blipFill>
+        <p:spPr>
+          <a:xfrm>
+            <a:off x="1815686" y="2286000"/>
+            <a:ext cx="9110588" cy="5938984"/>
+          </a:xfrm>
+          <a:prstGeom prst="rect">
+            <a:avLst/>
+          </a:prstGeom>
+        </p:spPr>
+      </p:pic>
+    </p:spTree>
+    <p:extLst>
+      <p:ext uri="{BB962C8B-B14F-4D97-AF65-F5344CB8AC3E}">
+        <p14:creationId xmlns:p14="http://schemas.microsoft.com/office/powerpoint/2010/main" val="3864225214"/>
+      </p:ext>
+    </p:extLst>
+  </p:cSld>
+  <p:clrMapOvr>
+    <a:masterClrMapping/>
+  </p:clrMapOvr>
+</p:sld>
+</file>
+
+<file path=ppt/slides/slide16.xml><?xml version="1.0" encoding="utf-8"?>
+<p:sld xmlns:a="http://schemas.openxmlformats.org/drawingml/2006/main" xmlns:r="http://schemas.openxmlformats.org/officeDocument/2006/relationships" xmlns:p="http://schemas.openxmlformats.org/presentationml/2006/main">
+  <p:cSld>
+    <p:spTree>
+      <p:nvGrpSpPr>
         <p:cNvPr id="1" name=""/>
         <p:cNvGrpSpPr/>
         <p:nvPr/>
@@ -4957,7 +5222,7 @@
           <a:p>
             <a:fld id="{B6F15528-21DE-4FAA-801E-634DDDAF4B2B}" type="slidenum">
               <a:rPr lang="en-US" altLang="ko-KR" smtClean="0"/>
-              <a:t>15</a:t>
+              <a:t>16</a:t>
             </a:fld>
             <a:endParaRPr lang="ko-KR" altLang="en-US"/>
           </a:p>
@@ -4997,360 +5262,6 @@
     <p:extLst>
       <p:ext uri="{BB962C8B-B14F-4D97-AF65-F5344CB8AC3E}">
         <p14:creationId xmlns:p14="http://schemas.microsoft.com/office/powerpoint/2010/main" val="1059318181"/>
-      </p:ext>
-    </p:extLst>
-  </p:cSld>
-  <p:clrMapOvr>
-    <a:masterClrMapping/>
-  </p:clrMapOvr>
-</p:sld>
-</file>
-
-<file path=ppt/slides/slide16.xml><?xml version="1.0" encoding="utf-8"?>
-<p:sld xmlns:a="http://schemas.openxmlformats.org/drawingml/2006/main" xmlns:r="http://schemas.openxmlformats.org/officeDocument/2006/relationships" xmlns:p="http://schemas.openxmlformats.org/presentationml/2006/main">
-  <p:cSld>
-    <p:spTree>
-      <p:nvGrpSpPr>
-        <p:cNvPr id="1" name=""/>
-        <p:cNvGrpSpPr/>
-        <p:nvPr/>
-      </p:nvGrpSpPr>
-      <p:grpSpPr>
-        <a:xfrm>
-          <a:off x="0" y="0"/>
-          <a:ext cx="0" cy="0"/>
-          <a:chOff x="0" y="0"/>
-          <a:chExt cx="0" cy="0"/>
-        </a:xfrm>
-      </p:grpSpPr>
-      <p:sp>
-        <p:nvSpPr>
-          <p:cNvPr id="2" name="object 2"/>
-          <p:cNvSpPr txBox="1"/>
-          <p:nvPr/>
-        </p:nvSpPr>
-        <p:spPr>
-          <a:xfrm>
-            <a:off x="143560" y="381000"/>
-            <a:ext cx="12454840" cy="382156"/>
-          </a:xfrm>
-          <a:prstGeom prst="rect">
-            <a:avLst/>
-          </a:prstGeom>
-        </p:spPr>
-        <p:txBody>
-          <a:bodyPr vert="horz" wrap="square" lIns="0" tIns="12700" rIns="0" bIns="0" rtlCol="0">
-            <a:spAutoFit/>
-          </a:bodyPr>
-          <a:lstStyle/>
-          <a:p>
-            <a:pPr marL="12700">
-              <a:lnSpc>
-                <a:spcPct val="100000"/>
-              </a:lnSpc>
-              <a:spcBef>
-                <a:spcPts val="100"/>
-              </a:spcBef>
-            </a:pPr>
-            <a:r>
-              <a:rPr lang="en-US" sz="2400" b="1" spc="95">
-                <a:latin typeface="Calibri"/>
-                <a:cs typeface="Calibri"/>
-              </a:rPr>
-              <a:t>Soft Actor Critic (SAC)</a:t>
-            </a:r>
-            <a:endParaRPr sz="2400">
-              <a:latin typeface="Calibri"/>
-              <a:cs typeface="Calibri"/>
-            </a:endParaRPr>
-          </a:p>
-        </p:txBody>
-      </p:sp>
-      <p:sp>
-        <p:nvSpPr>
-          <p:cNvPr id="4" name="object 4"/>
-          <p:cNvSpPr txBox="1"/>
-          <p:nvPr/>
-        </p:nvSpPr>
-        <p:spPr>
-          <a:xfrm>
-            <a:off x="254502" y="963907"/>
-            <a:ext cx="12098607" cy="983603"/>
-          </a:xfrm>
-          <a:prstGeom prst="rect">
-            <a:avLst/>
-          </a:prstGeom>
-        </p:spPr>
-        <p:txBody>
-          <a:bodyPr vert="horz" wrap="square" lIns="0" tIns="128270" rIns="0" bIns="0" rtlCol="0">
-            <a:spAutoFit/>
-          </a:bodyPr>
-          <a:lstStyle/>
-          <a:p>
-            <a:pPr marL="12065" marR="0" lvl="0" indent="0" defTabSz="914400" eaLnBrk="1" fontAlgn="auto" latinLnBrk="0" hangingPunct="1">
-              <a:lnSpc>
-                <a:spcPct val="100000"/>
-              </a:lnSpc>
-              <a:spcBef>
-                <a:spcPts val="910"/>
-              </a:spcBef>
-              <a:spcAft>
-                <a:spcPts val="0"/>
-              </a:spcAft>
-              <a:buClrTx/>
-              <a:buSzTx/>
-              <a:buFontTx/>
-              <a:buNone/>
-              <a:tabLst>
-                <a:tab pos="335280" algn="l"/>
-                <a:tab pos="335915" algn="l"/>
-              </a:tabLst>
-              <a:defRPr/>
-            </a:pPr>
-            <a:r>
-              <a:rPr kumimoji="0" lang="en-US" altLang="ko-KR" sz="2400" b="1" i="0" u="none" strike="noStrike" kern="0" cap="none" spc="0" normalizeH="0" baseline="0" noProof="0">
-                <a:ln>
-                  <a:noFill/>
-                </a:ln>
-                <a:solidFill>
-                  <a:sysClr val="windowText" lastClr="000000"/>
-                </a:solidFill>
-                <a:effectLst/>
-                <a:uLnTx/>
-                <a:uFillTx/>
-                <a:latin typeface="Arial"/>
-                <a:cs typeface="Arial"/>
-              </a:rPr>
-              <a:t>Soft Actor Critic (SAC)</a:t>
-            </a:r>
-          </a:p>
-          <a:p>
-            <a:pPr marL="12065" marR="0" lvl="0" indent="0" defTabSz="914400" eaLnBrk="1" fontAlgn="auto" latinLnBrk="0" hangingPunct="1">
-              <a:lnSpc>
-                <a:spcPct val="100000"/>
-              </a:lnSpc>
-              <a:spcBef>
-                <a:spcPts val="910"/>
-              </a:spcBef>
-              <a:spcAft>
-                <a:spcPts val="0"/>
-              </a:spcAft>
-              <a:buClrTx/>
-              <a:buSzTx/>
-              <a:buFontTx/>
-              <a:buNone/>
-              <a:tabLst>
-                <a:tab pos="335280" algn="l"/>
-                <a:tab pos="335915" algn="l"/>
-              </a:tabLst>
-              <a:defRPr/>
-            </a:pPr>
-            <a:endParaRPr lang="en-US" altLang="ko-KR" sz="2400">
-              <a:latin typeface="Arial"/>
-              <a:cs typeface="Arial"/>
-            </a:endParaRPr>
-          </a:p>
-        </p:txBody>
-      </p:sp>
-      <p:sp>
-        <p:nvSpPr>
-          <p:cNvPr id="8" name="슬라이드 번호 개체 틀 7">
-            <a:extLst>
-              <a:ext uri="{FF2B5EF4-FFF2-40B4-BE49-F238E27FC236}">
-                <a16:creationId xmlns:a16="http://schemas.microsoft.com/office/drawing/2014/main" id="{ED6717D9-A3EE-6F93-BC15-282AAA9A66A6}"/>
-              </a:ext>
-            </a:extLst>
-          </p:cNvPr>
-          <p:cNvSpPr>
-            <a:spLocks noGrp="1"/>
-          </p:cNvSpPr>
-          <p:nvPr>
-            <p:ph type="sldNum" sz="quarter" idx="7"/>
-          </p:nvPr>
-        </p:nvSpPr>
-        <p:spPr/>
-        <p:txBody>
-          <a:bodyPr/>
-          <a:lstStyle/>
-          <a:p>
-            <a:fld id="{B6F15528-21DE-4FAA-801E-634DDDAF4B2B}" type="slidenum">
-              <a:rPr lang="en-US" altLang="ko-KR" smtClean="0"/>
-              <a:t>16</a:t>
-            </a:fld>
-            <a:endParaRPr lang="ko-KR" altLang="en-US"/>
-          </a:p>
-        </p:txBody>
-      </p:sp>
-    </p:spTree>
-    <p:extLst>
-      <p:ext uri="{BB962C8B-B14F-4D97-AF65-F5344CB8AC3E}">
-        <p14:creationId xmlns:p14="http://schemas.microsoft.com/office/powerpoint/2010/main" val="983782797"/>
-      </p:ext>
-    </p:extLst>
-  </p:cSld>
-  <p:clrMapOvr>
-    <a:masterClrMapping/>
-  </p:clrMapOvr>
-</p:sld>
-</file>
-
-<file path=ppt/slides/slide17.xml><?xml version="1.0" encoding="utf-8"?>
-<p:sld xmlns:a="http://schemas.openxmlformats.org/drawingml/2006/main" xmlns:r="http://schemas.openxmlformats.org/officeDocument/2006/relationships" xmlns:p="http://schemas.openxmlformats.org/presentationml/2006/main">
-  <p:cSld>
-    <p:spTree>
-      <p:nvGrpSpPr>
-        <p:cNvPr id="1" name=""/>
-        <p:cNvGrpSpPr/>
-        <p:nvPr/>
-      </p:nvGrpSpPr>
-      <p:grpSpPr>
-        <a:xfrm>
-          <a:off x="0" y="0"/>
-          <a:ext cx="0" cy="0"/>
-          <a:chOff x="0" y="0"/>
-          <a:chExt cx="0" cy="0"/>
-        </a:xfrm>
-      </p:grpSpPr>
-      <p:sp>
-        <p:nvSpPr>
-          <p:cNvPr id="2" name="object 2"/>
-          <p:cNvSpPr txBox="1"/>
-          <p:nvPr/>
-        </p:nvSpPr>
-        <p:spPr>
-          <a:xfrm>
-            <a:off x="143560" y="381000"/>
-            <a:ext cx="12454840" cy="382156"/>
-          </a:xfrm>
-          <a:prstGeom prst="rect">
-            <a:avLst/>
-          </a:prstGeom>
-        </p:spPr>
-        <p:txBody>
-          <a:bodyPr vert="horz" wrap="square" lIns="0" tIns="12700" rIns="0" bIns="0" rtlCol="0">
-            <a:spAutoFit/>
-          </a:bodyPr>
-          <a:lstStyle/>
-          <a:p>
-            <a:pPr marL="12700">
-              <a:lnSpc>
-                <a:spcPct val="100000"/>
-              </a:lnSpc>
-              <a:spcBef>
-                <a:spcPts val="100"/>
-              </a:spcBef>
-            </a:pPr>
-            <a:r>
-              <a:rPr lang="en-US" sz="2400" b="1" spc="95">
-                <a:latin typeface="Calibri"/>
-                <a:cs typeface="Calibri"/>
-              </a:rPr>
-              <a:t>Deep Deterministic Policy Gradient (DDPG)</a:t>
-            </a:r>
-            <a:endParaRPr sz="2400">
-              <a:latin typeface="Calibri"/>
-              <a:cs typeface="Calibri"/>
-            </a:endParaRPr>
-          </a:p>
-        </p:txBody>
-      </p:sp>
-      <p:sp>
-        <p:nvSpPr>
-          <p:cNvPr id="4" name="object 4"/>
-          <p:cNvSpPr txBox="1"/>
-          <p:nvPr/>
-        </p:nvSpPr>
-        <p:spPr>
-          <a:xfrm>
-            <a:off x="254502" y="963907"/>
-            <a:ext cx="12098607" cy="498855"/>
-          </a:xfrm>
-          <a:prstGeom prst="rect">
-            <a:avLst/>
-          </a:prstGeom>
-        </p:spPr>
-        <p:txBody>
-          <a:bodyPr vert="horz" wrap="square" lIns="0" tIns="128270" rIns="0" bIns="0" rtlCol="0">
-            <a:spAutoFit/>
-          </a:bodyPr>
-          <a:lstStyle/>
-          <a:p>
-            <a:pPr marL="12065" marR="0" lvl="0" indent="0" defTabSz="914400" eaLnBrk="1" fontAlgn="auto" latinLnBrk="0" hangingPunct="1">
-              <a:lnSpc>
-                <a:spcPct val="100000"/>
-              </a:lnSpc>
-              <a:spcBef>
-                <a:spcPts val="910"/>
-              </a:spcBef>
-              <a:spcAft>
-                <a:spcPts val="0"/>
-              </a:spcAft>
-              <a:buClrTx/>
-              <a:buSzTx/>
-              <a:buFontTx/>
-              <a:buNone/>
-              <a:tabLst>
-                <a:tab pos="335280" algn="l"/>
-                <a:tab pos="335915" algn="l"/>
-              </a:tabLst>
-              <a:defRPr/>
-            </a:pPr>
-            <a:r>
-              <a:rPr kumimoji="0" lang="en-US" altLang="ko-KR" sz="2400" b="1" i="0" u="none" strike="noStrike" kern="0" cap="none" spc="0" normalizeH="0" baseline="0" noProof="0">
-                <a:ln>
-                  <a:noFill/>
-                </a:ln>
-                <a:solidFill>
-                  <a:sysClr val="windowText" lastClr="000000"/>
-                </a:solidFill>
-                <a:effectLst/>
-                <a:uLnTx/>
-                <a:uFillTx/>
-                <a:latin typeface="Arial"/>
-                <a:cs typeface="Arial"/>
-              </a:rPr>
-              <a:t>Deep Deterministic Policy Gradient (DDPG)</a:t>
-            </a:r>
-            <a:endParaRPr lang="en-US" altLang="ko-KR" sz="2400">
-              <a:latin typeface="Arial"/>
-              <a:cs typeface="Arial"/>
-            </a:endParaRPr>
-          </a:p>
-        </p:txBody>
-      </p:sp>
-      <p:sp>
-        <p:nvSpPr>
-          <p:cNvPr id="8" name="슬라이드 번호 개체 틀 7">
-            <a:extLst>
-              <a:ext uri="{FF2B5EF4-FFF2-40B4-BE49-F238E27FC236}">
-                <a16:creationId xmlns:a16="http://schemas.microsoft.com/office/drawing/2014/main" id="{ED6717D9-A3EE-6F93-BC15-282AAA9A66A6}"/>
-              </a:ext>
-            </a:extLst>
-          </p:cNvPr>
-          <p:cNvSpPr>
-            <a:spLocks noGrp="1"/>
-          </p:cNvSpPr>
-          <p:nvPr>
-            <p:ph type="sldNum" sz="quarter" idx="7"/>
-          </p:nvPr>
-        </p:nvSpPr>
-        <p:spPr/>
-        <p:txBody>
-          <a:bodyPr/>
-          <a:lstStyle/>
-          <a:p>
-            <a:fld id="{B6F15528-21DE-4FAA-801E-634DDDAF4B2B}" type="slidenum">
-              <a:rPr lang="en-US" altLang="ko-KR" smtClean="0"/>
-              <a:t>17</a:t>
-            </a:fld>
-            <a:endParaRPr lang="ko-KR" altLang="en-US"/>
-          </a:p>
-        </p:txBody>
-      </p:sp>
-    </p:spTree>
-    <p:extLst>
-      <p:ext uri="{BB962C8B-B14F-4D97-AF65-F5344CB8AC3E}">
-        <p14:creationId xmlns:p14="http://schemas.microsoft.com/office/powerpoint/2010/main" val="2114652118"/>
       </p:ext>
     </p:extLst>
   </p:cSld>
@@ -7027,13 +6938,10 @@
                   </a:tabLst>
                   <a:defRPr/>
                 </a:pPr>
-                <a:r>
-                  <a:rPr lang="en-US" altLang="ko-KR" sz="2100">
-                    <a:latin typeface="Arial"/>
-                    <a:cs typeface="Arial"/>
-                  </a:rPr>
-                  <a:t>dfs</a:t>
-                </a:r>
+                <a:endParaRPr lang="en-US" altLang="ko-KR" sz="2100">
+                  <a:latin typeface="Arial"/>
+                  <a:cs typeface="Arial"/>
+                </a:endParaRPr>
               </a:p>
               <a:p>
                 <a:pPr marL="335280" indent="-323215">
@@ -8960,7 +8868,7 @@
         <p:spPr>
           <a:xfrm>
             <a:off x="254502" y="963907"/>
-            <a:ext cx="12098607" cy="8264185"/>
+            <a:ext cx="12098607" cy="8748934"/>
           </a:xfrm>
           <a:prstGeom prst="rect">
             <a:avLst/>
@@ -9370,7 +9278,7 @@
                 <a:cs typeface="Arial"/>
                 <a:sym typeface="Wingdings" panose="05000000000000000000" pitchFamily="2" charset="2"/>
               </a:rPr>
-              <a:t>TD</a:t>
+              <a:t>Temporal Difference Learning (TD)</a:t>
             </a:r>
             <a:r>
               <a:rPr lang="en-US" altLang="ko-KR" sz="2100">
@@ -9818,7 +9726,7 @@
                 <a:latin typeface="Arial"/>
                 <a:cs typeface="Arial"/>
               </a:rPr>
-              <a:t>- It updates the value of the current state towards sthe stimated return</a:t>
+              <a:t>- It updates the value of the current state towards the estimated return</a:t>
             </a:r>
           </a:p>
           <a:p>
@@ -9847,7 +9755,7 @@
                 <a:latin typeface="Arial"/>
                 <a:cs typeface="Arial"/>
               </a:rPr>
-              <a:t>- TD error: measures the difference between the predicted value of the current state and the observed reward plus the stimated value of the next state</a:t>
+              <a:t>- TD error: measures the difference between the predicted value of the current state and the observed reward plus the estimated value of the next state</a:t>
             </a:r>
             <a:r>
               <a:rPr kumimoji="0" lang="en-US" altLang="ko-KR" sz="2100" b="0" i="0" u="none" strike="noStrike" kern="0" cap="none" spc="0" normalizeH="0" baseline="0" noProof="0">

--- a/004 Reinforcement Learning/Introduction to RL-Part 2.pptx
+++ b/004 Reinforcement Learning/Introduction to RL-Part 2.pptx
@@ -5,7 +5,7 @@
     <p:sldMasterId id="2147483648" r:id="rId1"/>
   </p:sldMasterIdLst>
   <p:notesMasterIdLst>
-    <p:notesMasterId r:id="rId18"/>
+    <p:notesMasterId r:id="rId19"/>
   </p:notesMasterIdLst>
   <p:sldIdLst>
     <p:sldId id="256" r:id="rId2"/>
@@ -23,7 +23,8 @@
     <p:sldId id="337" r:id="rId14"/>
     <p:sldId id="338" r:id="rId15"/>
     <p:sldId id="343" r:id="rId16"/>
-    <p:sldId id="339" r:id="rId17"/>
+    <p:sldId id="344" r:id="rId17"/>
+    <p:sldId id="339" r:id="rId18"/>
   </p:sldIdLst>
   <p:sldSz cx="13004800" cy="9753600"/>
   <p:notesSz cx="13004800" cy="9753600"/>
@@ -933,6 +934,114 @@
   <p:cSld>
     <p:spTree>
       <p:nvGrpSpPr>
+        <p:cNvPr id="1" name="">
+          <a:extLst>
+            <a:ext uri="{FF2B5EF4-FFF2-40B4-BE49-F238E27FC236}">
+              <a16:creationId xmlns:a16="http://schemas.microsoft.com/office/drawing/2014/main" id="{1E14B023-B23B-C931-DB64-7F96EF821385}"/>
+            </a:ext>
+          </a:extLst>
+        </p:cNvPr>
+        <p:cNvGrpSpPr/>
+        <p:nvPr/>
+      </p:nvGrpSpPr>
+      <p:grpSpPr>
+        <a:xfrm>
+          <a:off x="0" y="0"/>
+          <a:ext cx="0" cy="0"/>
+          <a:chOff x="0" y="0"/>
+          <a:chExt cx="0" cy="0"/>
+        </a:xfrm>
+      </p:grpSpPr>
+      <p:sp>
+        <p:nvSpPr>
+          <p:cNvPr id="2" name="슬라이드 이미지 개체 틀 1">
+            <a:extLst>
+              <a:ext uri="{FF2B5EF4-FFF2-40B4-BE49-F238E27FC236}">
+                <a16:creationId xmlns:a16="http://schemas.microsoft.com/office/drawing/2014/main" id="{3B1E1C2B-3D16-1371-56BD-0DE478239D44}"/>
+              </a:ext>
+            </a:extLst>
+          </p:cNvPr>
+          <p:cNvSpPr>
+            <a:spLocks noGrp="1" noRot="1" noChangeAspect="1"/>
+          </p:cNvSpPr>
+          <p:nvPr>
+            <p:ph type="sldImg"/>
+          </p:nvPr>
+        </p:nvSpPr>
+        <p:spPr/>
+      </p:sp>
+      <p:sp>
+        <p:nvSpPr>
+          <p:cNvPr id="3" name="슬라이드 노트 개체 틀 2">
+            <a:extLst>
+              <a:ext uri="{FF2B5EF4-FFF2-40B4-BE49-F238E27FC236}">
+                <a16:creationId xmlns:a16="http://schemas.microsoft.com/office/drawing/2014/main" id="{ABED8410-D327-3037-A1EE-504998EFD235}"/>
+              </a:ext>
+            </a:extLst>
+          </p:cNvPr>
+          <p:cNvSpPr>
+            <a:spLocks noGrp="1"/>
+          </p:cNvSpPr>
+          <p:nvPr>
+            <p:ph type="body" idx="1"/>
+          </p:nvPr>
+        </p:nvSpPr>
+        <p:spPr/>
+        <p:txBody>
+          <a:bodyPr/>
+          <a:lstStyle/>
+          <a:p>
+            <a:endParaRPr lang="ko-KR" altLang="en-US"/>
+          </a:p>
+        </p:txBody>
+      </p:sp>
+      <p:sp>
+        <p:nvSpPr>
+          <p:cNvPr id="4" name="슬라이드 번호 개체 틀 3">
+            <a:extLst>
+              <a:ext uri="{FF2B5EF4-FFF2-40B4-BE49-F238E27FC236}">
+                <a16:creationId xmlns:a16="http://schemas.microsoft.com/office/drawing/2014/main" id="{890A1D3D-0231-C3D1-4C10-9C9948F3DE8D}"/>
+              </a:ext>
+            </a:extLst>
+          </p:cNvPr>
+          <p:cNvSpPr>
+            <a:spLocks noGrp="1"/>
+          </p:cNvSpPr>
+          <p:nvPr>
+            <p:ph type="sldNum" sz="quarter" idx="5"/>
+          </p:nvPr>
+        </p:nvSpPr>
+        <p:spPr/>
+        <p:txBody>
+          <a:bodyPr/>
+          <a:lstStyle/>
+          <a:p>
+            <a:fld id="{15E379A2-52E3-4F4A-8743-F07D02140E24}" type="slidenum">
+              <a:rPr lang="ko-KR" altLang="en-US" smtClean="0"/>
+              <a:t>16</a:t>
+            </a:fld>
+            <a:endParaRPr lang="ko-KR" altLang="en-US"/>
+          </a:p>
+        </p:txBody>
+      </p:sp>
+    </p:spTree>
+    <p:extLst>
+      <p:ext uri="{BB962C8B-B14F-4D97-AF65-F5344CB8AC3E}">
+        <p14:creationId xmlns:p14="http://schemas.microsoft.com/office/powerpoint/2010/main" val="1204260224"/>
+      </p:ext>
+    </p:extLst>
+  </p:cSld>
+  <p:clrMapOvr>
+    <a:masterClrMapping/>
+  </p:clrMapOvr>
+</p:notes>
+</file>
+
+<file path=ppt/notesSlides/notesSlide16.xml><?xml version="1.0" encoding="utf-8"?>
+<p:notes xmlns:a="http://schemas.openxmlformats.org/drawingml/2006/main" xmlns:r="http://schemas.openxmlformats.org/officeDocument/2006/relationships" xmlns:p="http://schemas.openxmlformats.org/presentationml/2006/main">
+  <p:cSld>
+    <p:spTree>
+      <p:nvGrpSpPr>
         <p:cNvPr id="1" name=""/>
         <p:cNvGrpSpPr/>
         <p:nvPr/>
@@ -993,7 +1102,7 @@
           <a:p>
             <a:fld id="{15E379A2-52E3-4F4A-8743-F07D02140E24}" type="slidenum">
               <a:rPr lang="ko-KR" altLang="en-US" smtClean="0"/>
-              <a:t>16</a:t>
+              <a:t>17</a:t>
             </a:fld>
             <a:endParaRPr lang="ko-KR" altLang="en-US"/>
           </a:p>
@@ -3562,7 +3671,7 @@
         </p:blipFill>
         <p:spPr>
           <a:xfrm>
-            <a:off x="482600" y="1674999"/>
+            <a:off x="2921000" y="1616197"/>
             <a:ext cx="7162800" cy="2420761"/>
           </a:xfrm>
           <a:prstGeom prst="rect">
@@ -4404,7 +4513,7 @@
                 <a:latin typeface="Calibri"/>
                 <a:cs typeface="Calibri"/>
               </a:rPr>
-              <a:t>Q-learning</a:t>
+              <a:t>Deep Q-learning</a:t>
             </a:r>
             <a:endParaRPr sz="2400">
               <a:latin typeface="Calibri"/>
@@ -4468,7 +4577,7 @@
                 <a:latin typeface="Arial"/>
                 <a:cs typeface="Arial"/>
               </a:rPr>
-              <a:t>Q-learning</a:t>
+              <a:t>Deep Q-learning</a:t>
             </a:r>
           </a:p>
           <a:p>
@@ -4596,6 +4705,79 @@
           </a:prstGeom>
         </p:spPr>
       </p:pic>
+      <p:sp>
+        <p:nvSpPr>
+          <p:cNvPr id="3" name="object 4">
+            <a:extLst>
+              <a:ext uri="{FF2B5EF4-FFF2-40B4-BE49-F238E27FC236}">
+                <a16:creationId xmlns:a16="http://schemas.microsoft.com/office/drawing/2014/main" id="{48BB40E6-E72A-0CB0-CA4F-9BC90CDDC695}"/>
+              </a:ext>
+            </a:extLst>
+          </p:cNvPr>
+          <p:cNvSpPr txBox="1"/>
+          <p:nvPr/>
+        </p:nvSpPr>
+        <p:spPr>
+          <a:xfrm>
+            <a:off x="453096" y="8178496"/>
+            <a:ext cx="12098607" cy="1039131"/>
+          </a:xfrm>
+          <a:prstGeom prst="rect">
+            <a:avLst/>
+          </a:prstGeom>
+        </p:spPr>
+        <p:txBody>
+          <a:bodyPr vert="horz" wrap="square" lIns="0" tIns="128270" rIns="0" bIns="0" rtlCol="0">
+            <a:spAutoFit/>
+          </a:bodyPr>
+          <a:lstStyle/>
+          <a:p>
+            <a:pPr marL="12065" marR="0" lvl="0" indent="0" defTabSz="914400" eaLnBrk="1" fontAlgn="auto" latinLnBrk="0" hangingPunct="1">
+              <a:lnSpc>
+                <a:spcPct val="150000"/>
+              </a:lnSpc>
+              <a:spcBef>
+                <a:spcPts val="910"/>
+              </a:spcBef>
+              <a:spcAft>
+                <a:spcPts val="0"/>
+              </a:spcAft>
+              <a:buClrTx/>
+              <a:buSzTx/>
+              <a:buFontTx/>
+              <a:buNone/>
+              <a:tabLst>
+                <a:tab pos="335280" algn="l"/>
+                <a:tab pos="335915" algn="l"/>
+              </a:tabLst>
+              <a:defRPr/>
+            </a:pPr>
+            <a:r>
+              <a:rPr kumimoji="0" lang="en-US" altLang="ko-KR" sz="2100" i="0" u="none" strike="noStrike" kern="0" cap="none" spc="0" normalizeH="0" baseline="0" noProof="0">
+                <a:ln>
+                  <a:noFill/>
+                </a:ln>
+                <a:solidFill>
+                  <a:sysClr val="windowText" lastClr="000000"/>
+                </a:solidFill>
+                <a:effectLst/>
+                <a:uLnTx/>
+                <a:uFillTx/>
+                <a:latin typeface="Arial"/>
+                <a:cs typeface="Arial"/>
+              </a:rPr>
+              <a:t>-change of data distribution may lead to oscillation </a:t>
+            </a:r>
+            <a:r>
+              <a:rPr lang="en-US" altLang="ko-KR" sz="2100">
+                <a:latin typeface="Arial"/>
+                <a:cs typeface="Arial"/>
+              </a:rPr>
+              <a:t>and uncertainty during training and result in local minimum convergence</a:t>
+            </a:r>
+          </a:p>
+        </p:txBody>
+      </p:sp>
     </p:spTree>
     <p:extLst>
       <p:ext uri="{BB962C8B-B14F-4D97-AF65-F5344CB8AC3E}">
@@ -4801,6 +4983,76 @@
           </a:prstGeom>
         </p:spPr>
       </p:pic>
+      <p:sp>
+        <p:nvSpPr>
+          <p:cNvPr id="3" name="object 4">
+            <a:extLst>
+              <a:ext uri="{FF2B5EF4-FFF2-40B4-BE49-F238E27FC236}">
+                <a16:creationId xmlns:a16="http://schemas.microsoft.com/office/drawing/2014/main" id="{471E011F-E075-C2BB-319B-65A608EC7BA4}"/>
+              </a:ext>
+            </a:extLst>
+          </p:cNvPr>
+          <p:cNvSpPr txBox="1"/>
+          <p:nvPr/>
+        </p:nvSpPr>
+        <p:spPr>
+          <a:xfrm>
+            <a:off x="453096" y="8178496"/>
+            <a:ext cx="12098607" cy="554383"/>
+          </a:xfrm>
+          <a:prstGeom prst="rect">
+            <a:avLst/>
+          </a:prstGeom>
+        </p:spPr>
+        <p:txBody>
+          <a:bodyPr vert="horz" wrap="square" lIns="0" tIns="128270" rIns="0" bIns="0" rtlCol="0">
+            <a:spAutoFit/>
+          </a:bodyPr>
+          <a:lstStyle/>
+          <a:p>
+            <a:pPr marL="12065" marR="0" lvl="0" indent="0" defTabSz="914400" eaLnBrk="1" fontAlgn="auto" latinLnBrk="0" hangingPunct="1">
+              <a:lnSpc>
+                <a:spcPct val="150000"/>
+              </a:lnSpc>
+              <a:spcBef>
+                <a:spcPts val="910"/>
+              </a:spcBef>
+              <a:spcAft>
+                <a:spcPts val="0"/>
+              </a:spcAft>
+              <a:buClrTx/>
+              <a:buSzTx/>
+              <a:buFontTx/>
+              <a:buNone/>
+              <a:tabLst>
+                <a:tab pos="335280" algn="l"/>
+                <a:tab pos="335915" algn="l"/>
+              </a:tabLst>
+              <a:defRPr/>
+            </a:pPr>
+            <a:r>
+              <a:rPr kumimoji="0" lang="en-US" altLang="ko-KR" sz="2100" i="0" u="none" strike="noStrike" kern="0" cap="none" spc="0" normalizeH="0" baseline="0" noProof="0">
+                <a:ln>
+                  <a:noFill/>
+                </a:ln>
+                <a:solidFill>
+                  <a:sysClr val="windowText" lastClr="000000"/>
+                </a:solidFill>
+                <a:effectLst/>
+                <a:uLnTx/>
+                <a:uFillTx/>
+                <a:latin typeface="Arial"/>
+                <a:cs typeface="Arial"/>
+              </a:rPr>
+              <a:t>-experience replay and target network resolves the problem of Deep Q-learning</a:t>
+            </a:r>
+            <a:endParaRPr lang="en-US" altLang="ko-KR" sz="2100">
+              <a:latin typeface="Arial"/>
+              <a:cs typeface="Arial"/>
+            </a:endParaRPr>
+          </a:p>
+        </p:txBody>
+      </p:sp>
     </p:spTree>
     <p:extLst>
       <p:ext uri="{BB962C8B-B14F-4D97-AF65-F5344CB8AC3E}">
@@ -5058,6 +5310,363 @@
   <p:cSld>
     <p:spTree>
       <p:nvGrpSpPr>
+        <p:cNvPr id="1" name="">
+          <a:extLst>
+            <a:ext uri="{FF2B5EF4-FFF2-40B4-BE49-F238E27FC236}">
+              <a16:creationId xmlns:a16="http://schemas.microsoft.com/office/drawing/2014/main" id="{282BD70D-978B-65DC-54E9-E47D480D3348}"/>
+            </a:ext>
+          </a:extLst>
+        </p:cNvPr>
+        <p:cNvGrpSpPr/>
+        <p:nvPr/>
+      </p:nvGrpSpPr>
+      <p:grpSpPr>
+        <a:xfrm>
+          <a:off x="0" y="0"/>
+          <a:ext cx="0" cy="0"/>
+          <a:chOff x="0" y="0"/>
+          <a:chExt cx="0" cy="0"/>
+        </a:xfrm>
+      </p:grpSpPr>
+      <p:sp>
+        <p:nvSpPr>
+          <p:cNvPr id="2" name="object 2">
+            <a:extLst>
+              <a:ext uri="{FF2B5EF4-FFF2-40B4-BE49-F238E27FC236}">
+                <a16:creationId xmlns:a16="http://schemas.microsoft.com/office/drawing/2014/main" id="{DE88D09A-6C2C-EF1C-B41F-2E3A8A86EC41}"/>
+              </a:ext>
+            </a:extLst>
+          </p:cNvPr>
+          <p:cNvSpPr txBox="1"/>
+          <p:nvPr/>
+        </p:nvSpPr>
+        <p:spPr>
+          <a:xfrm>
+            <a:off x="143560" y="381000"/>
+            <a:ext cx="12454840" cy="382156"/>
+          </a:xfrm>
+          <a:prstGeom prst="rect">
+            <a:avLst/>
+          </a:prstGeom>
+        </p:spPr>
+        <p:txBody>
+          <a:bodyPr vert="horz" wrap="square" lIns="0" tIns="12700" rIns="0" bIns="0" rtlCol="0">
+            <a:spAutoFit/>
+          </a:bodyPr>
+          <a:lstStyle/>
+          <a:p>
+            <a:pPr marL="12700">
+              <a:lnSpc>
+                <a:spcPct val="100000"/>
+              </a:lnSpc>
+              <a:spcBef>
+                <a:spcPts val="100"/>
+              </a:spcBef>
+            </a:pPr>
+            <a:r>
+              <a:rPr lang="en-US" sz="2400" b="1" spc="95">
+                <a:latin typeface="Calibri"/>
+                <a:cs typeface="Calibri"/>
+              </a:rPr>
+              <a:t>Deep Q-Networks (DQN)</a:t>
+            </a:r>
+            <a:endParaRPr sz="2400">
+              <a:latin typeface="Calibri"/>
+              <a:cs typeface="Calibri"/>
+            </a:endParaRPr>
+          </a:p>
+        </p:txBody>
+      </p:sp>
+      <p:sp>
+        <p:nvSpPr>
+          <p:cNvPr id="4" name="object 4">
+            <a:extLst>
+              <a:ext uri="{FF2B5EF4-FFF2-40B4-BE49-F238E27FC236}">
+                <a16:creationId xmlns:a16="http://schemas.microsoft.com/office/drawing/2014/main" id="{C49DD277-57B4-7734-55B6-76B32CD12E09}"/>
+              </a:ext>
+            </a:extLst>
+          </p:cNvPr>
+          <p:cNvSpPr txBox="1"/>
+          <p:nvPr/>
+        </p:nvSpPr>
+        <p:spPr>
+          <a:xfrm>
+            <a:off x="254502" y="963907"/>
+            <a:ext cx="12098607" cy="937436"/>
+          </a:xfrm>
+          <a:prstGeom prst="rect">
+            <a:avLst/>
+          </a:prstGeom>
+        </p:spPr>
+        <p:txBody>
+          <a:bodyPr vert="horz" wrap="square" lIns="0" tIns="128270" rIns="0" bIns="0" rtlCol="0">
+            <a:spAutoFit/>
+          </a:bodyPr>
+          <a:lstStyle/>
+          <a:p>
+            <a:pPr marL="12065" marR="0" lvl="0" indent="0" defTabSz="914400" eaLnBrk="1" fontAlgn="auto" latinLnBrk="0" hangingPunct="1">
+              <a:lnSpc>
+                <a:spcPct val="100000"/>
+              </a:lnSpc>
+              <a:spcBef>
+                <a:spcPts val="910"/>
+              </a:spcBef>
+              <a:spcAft>
+                <a:spcPts val="0"/>
+              </a:spcAft>
+              <a:buClrTx/>
+              <a:buSzTx/>
+              <a:buFontTx/>
+              <a:buNone/>
+              <a:tabLst>
+                <a:tab pos="335280" algn="l"/>
+                <a:tab pos="335915" algn="l"/>
+              </a:tabLst>
+              <a:defRPr/>
+            </a:pPr>
+            <a:r>
+              <a:rPr kumimoji="0" lang="en-US" altLang="ko-KR" sz="2400" b="1" i="0" u="none" strike="noStrike" kern="0" cap="none" spc="0" normalizeH="0" baseline="0" noProof="0">
+                <a:ln>
+                  <a:noFill/>
+                </a:ln>
+                <a:solidFill>
+                  <a:sysClr val="windowText" lastClr="000000"/>
+                </a:solidFill>
+                <a:effectLst/>
+                <a:uLnTx/>
+                <a:uFillTx/>
+                <a:latin typeface="Arial"/>
+                <a:cs typeface="Arial"/>
+              </a:rPr>
+              <a:t>Deep Q-Networks (DQN)</a:t>
+            </a:r>
+          </a:p>
+          <a:p>
+            <a:pPr marL="12065" marR="0" lvl="0" indent="0" defTabSz="914400" eaLnBrk="1" fontAlgn="auto" latinLnBrk="0" hangingPunct="1">
+              <a:lnSpc>
+                <a:spcPct val="100000"/>
+              </a:lnSpc>
+              <a:spcBef>
+                <a:spcPts val="910"/>
+              </a:spcBef>
+              <a:spcAft>
+                <a:spcPts val="0"/>
+              </a:spcAft>
+              <a:buClrTx/>
+              <a:buSzTx/>
+              <a:buFontTx/>
+              <a:buNone/>
+              <a:tabLst>
+                <a:tab pos="335280" algn="l"/>
+                <a:tab pos="335915" algn="l"/>
+              </a:tabLst>
+              <a:defRPr/>
+            </a:pPr>
+            <a:r>
+              <a:rPr lang="en-US" altLang="ko-KR" sz="2100">
+                <a:latin typeface="Arial"/>
+                <a:cs typeface="Arial"/>
+              </a:rPr>
+              <a:t>- Experience replay</a:t>
+            </a:r>
+          </a:p>
+        </p:txBody>
+      </p:sp>
+      <p:sp>
+        <p:nvSpPr>
+          <p:cNvPr id="8" name="슬라이드 번호 개체 틀 7">
+            <a:extLst>
+              <a:ext uri="{FF2B5EF4-FFF2-40B4-BE49-F238E27FC236}">
+                <a16:creationId xmlns:a16="http://schemas.microsoft.com/office/drawing/2014/main" id="{9BBCA736-147B-63CE-8DCD-4C4A3A0ACA23}"/>
+              </a:ext>
+            </a:extLst>
+          </p:cNvPr>
+          <p:cNvSpPr>
+            <a:spLocks noGrp="1"/>
+          </p:cNvSpPr>
+          <p:nvPr>
+            <p:ph type="sldNum" sz="quarter" idx="7"/>
+          </p:nvPr>
+        </p:nvSpPr>
+        <p:spPr/>
+        <p:txBody>
+          <a:bodyPr/>
+          <a:lstStyle/>
+          <a:p>
+            <a:fld id="{B6F15528-21DE-4FAA-801E-634DDDAF4B2B}" type="slidenum">
+              <a:rPr lang="en-US" altLang="ko-KR" smtClean="0"/>
+              <a:t>16</a:t>
+            </a:fld>
+            <a:endParaRPr lang="ko-KR" altLang="en-US"/>
+          </a:p>
+        </p:txBody>
+      </p:sp>
+      <p:pic>
+        <p:nvPicPr>
+          <p:cNvPr id="6" name="그림 5">
+            <a:extLst>
+              <a:ext uri="{FF2B5EF4-FFF2-40B4-BE49-F238E27FC236}">
+                <a16:creationId xmlns:a16="http://schemas.microsoft.com/office/drawing/2014/main" id="{C0FEBE02-344F-9B3A-A345-BD099C66A40F}"/>
+              </a:ext>
+            </a:extLst>
+          </p:cNvPr>
+          <p:cNvPicPr>
+            <a:picLocks noChangeAspect="1"/>
+          </p:cNvPicPr>
+          <p:nvPr/>
+        </p:nvPicPr>
+        <p:blipFill>
+          <a:blip r:embed="rId3"/>
+          <a:stretch>
+            <a:fillRect/>
+          </a:stretch>
+        </p:blipFill>
+        <p:spPr>
+          <a:xfrm>
+            <a:off x="2635043" y="4774733"/>
+            <a:ext cx="7471874" cy="4870744"/>
+          </a:xfrm>
+          <a:prstGeom prst="rect">
+            <a:avLst/>
+          </a:prstGeom>
+        </p:spPr>
+      </p:pic>
+      <p:pic>
+        <p:nvPicPr>
+          <p:cNvPr id="5" name="그림 4">
+            <a:extLst>
+              <a:ext uri="{FF2B5EF4-FFF2-40B4-BE49-F238E27FC236}">
+                <a16:creationId xmlns:a16="http://schemas.microsoft.com/office/drawing/2014/main" id="{F0FE3353-B3A1-031F-8263-E536B8ED7802}"/>
+              </a:ext>
+            </a:extLst>
+          </p:cNvPr>
+          <p:cNvPicPr>
+            <a:picLocks noChangeAspect="1"/>
+          </p:cNvPicPr>
+          <p:nvPr/>
+        </p:nvPicPr>
+        <p:blipFill>
+          <a:blip r:embed="rId4"/>
+          <a:stretch>
+            <a:fillRect/>
+          </a:stretch>
+        </p:blipFill>
+        <p:spPr>
+          <a:xfrm>
+            <a:off x="211570" y="1918297"/>
+            <a:ext cx="7167541" cy="2819400"/>
+          </a:xfrm>
+          <a:prstGeom prst="rect">
+            <a:avLst/>
+          </a:prstGeom>
+        </p:spPr>
+      </p:pic>
+      <p:sp>
+        <p:nvSpPr>
+          <p:cNvPr id="9" name="TextBox 8">
+            <a:extLst>
+              <a:ext uri="{FF2B5EF4-FFF2-40B4-BE49-F238E27FC236}">
+                <a16:creationId xmlns:a16="http://schemas.microsoft.com/office/drawing/2014/main" id="{0A750282-C8C7-C64C-33B5-A31A584603E0}"/>
+              </a:ext>
+            </a:extLst>
+          </p:cNvPr>
+          <p:cNvSpPr txBox="1"/>
+          <p:nvPr/>
+        </p:nvSpPr>
+        <p:spPr>
+          <a:xfrm>
+            <a:off x="143560" y="4709253"/>
+            <a:ext cx="6524896" cy="415498"/>
+          </a:xfrm>
+          <a:prstGeom prst="rect">
+            <a:avLst/>
+          </a:prstGeom>
+          <a:noFill/>
+        </p:spPr>
+        <p:txBody>
+          <a:bodyPr wrap="square">
+            <a:spAutoFit/>
+          </a:bodyPr>
+          <a:lstStyle/>
+          <a:p>
+            <a:pPr marL="12065" marR="0" lvl="0" indent="0" defTabSz="914400" eaLnBrk="1" fontAlgn="auto" latinLnBrk="0" hangingPunct="1">
+              <a:lnSpc>
+                <a:spcPct val="100000"/>
+              </a:lnSpc>
+              <a:spcBef>
+                <a:spcPts val="910"/>
+              </a:spcBef>
+              <a:spcAft>
+                <a:spcPts val="0"/>
+              </a:spcAft>
+              <a:buClrTx/>
+              <a:buSzTx/>
+              <a:buFontTx/>
+              <a:buNone/>
+              <a:tabLst>
+                <a:tab pos="335280" algn="l"/>
+                <a:tab pos="335915" algn="l"/>
+              </a:tabLst>
+              <a:defRPr/>
+            </a:pPr>
+            <a:r>
+              <a:rPr lang="en-US" altLang="ko-KR" sz="2100">
+                <a:latin typeface="Arial"/>
+                <a:cs typeface="Arial"/>
+              </a:rPr>
+              <a:t>- Target Network</a:t>
+            </a:r>
+          </a:p>
+        </p:txBody>
+      </p:sp>
+      <p:pic>
+        <p:nvPicPr>
+          <p:cNvPr id="11" name="그림 10">
+            <a:extLst>
+              <a:ext uri="{FF2B5EF4-FFF2-40B4-BE49-F238E27FC236}">
+                <a16:creationId xmlns:a16="http://schemas.microsoft.com/office/drawing/2014/main" id="{0C2057A6-2129-A49C-A754-F8B74CF3156C}"/>
+              </a:ext>
+            </a:extLst>
+          </p:cNvPr>
+          <p:cNvPicPr>
+            <a:picLocks noChangeAspect="1"/>
+          </p:cNvPicPr>
+          <p:nvPr/>
+        </p:nvPicPr>
+        <p:blipFill>
+          <a:blip r:embed="rId5"/>
+          <a:stretch>
+            <a:fillRect/>
+          </a:stretch>
+        </p:blipFill>
+        <p:spPr>
+          <a:xfrm>
+            <a:off x="7410908" y="1657378"/>
+            <a:ext cx="5201148" cy="3117355"/>
+          </a:xfrm>
+          <a:prstGeom prst="rect">
+            <a:avLst/>
+          </a:prstGeom>
+        </p:spPr>
+      </p:pic>
+    </p:spTree>
+    <p:extLst>
+      <p:ext uri="{BB962C8B-B14F-4D97-AF65-F5344CB8AC3E}">
+        <p14:creationId xmlns:p14="http://schemas.microsoft.com/office/powerpoint/2010/main" val="1385380221"/>
+      </p:ext>
+    </p:extLst>
+  </p:cSld>
+  <p:clrMapOvr>
+    <a:masterClrMapping/>
+  </p:clrMapOvr>
+</p:sld>
+</file>
+
+<file path=ppt/slides/slide17.xml><?xml version="1.0" encoding="utf-8"?>
+<p:sld xmlns:a="http://schemas.openxmlformats.org/drawingml/2006/main" xmlns:r="http://schemas.openxmlformats.org/officeDocument/2006/relationships" xmlns:p="http://schemas.openxmlformats.org/presentationml/2006/main">
+  <p:cSld>
+    <p:spTree>
+      <p:nvGrpSpPr>
         <p:cNvPr id="1" name=""/>
         <p:cNvGrpSpPr/>
         <p:nvPr/>
@@ -5222,7 +5831,7 @@
           <a:p>
             <a:fld id="{B6F15528-21DE-4FAA-801E-634DDDAF4B2B}" type="slidenum">
               <a:rPr lang="en-US" altLang="ko-KR" smtClean="0"/>
-              <a:t>16</a:t>
+              <a:t>17</a:t>
             </a:fld>
             <a:endParaRPr lang="ko-KR" altLang="en-US"/>
           </a:p>
@@ -6865,8 +7474,8 @@
           </a:p>
         </p:txBody>
       </p:sp>
-      <mc:AlternateContent xmlns:mc="http://schemas.openxmlformats.org/markup-compatibility/2006">
-        <mc:Choice xmlns:a14="http://schemas.microsoft.com/office/drawing/2010/main" Requires="a14">
+      <mc:AlternateContent xmlns:mc="http://schemas.openxmlformats.org/markup-compatibility/2006" xmlns:a14="http://schemas.microsoft.com/office/drawing/2010/main">
+        <mc:Choice Requires="a14">
           <p:sp>
             <p:nvSpPr>
               <p:cNvPr id="4" name="object 4"/>
@@ -7779,7 +8388,7 @@
             </p:txBody>
           </p:sp>
         </mc:Choice>
-        <mc:Fallback>
+        <mc:Fallback xmlns="">
           <p:sp>
             <p:nvSpPr>
               <p:cNvPr id="4" name="object 4"/>
